--- a/AIChE Equations Calcium Waves.pptx
+++ b/AIChE Equations Calcium Waves.pptx
@@ -5,7 +5,7 @@
     <p:sldMasterId id="2147483648" r:id="rId1"/>
   </p:sldMasterIdLst>
   <p:notesMasterIdLst>
-    <p:notesMasterId r:id="rId7"/>
+    <p:notesMasterId r:id="rId8"/>
   </p:notesMasterIdLst>
   <p:sldIdLst>
     <p:sldId id="258" r:id="rId2"/>
@@ -13,6 +13,7 @@
     <p:sldId id="259" r:id="rId4"/>
     <p:sldId id="260" r:id="rId5"/>
     <p:sldId id="262" r:id="rId6"/>
+    <p:sldId id="263" r:id="rId7"/>
   </p:sldIdLst>
   <p:sldSz cx="12192000" cy="6858000"/>
   <p:notesSz cx="6858000" cy="9144000"/>
@@ -3889,8 +3890,8 @@
           </a:p>
         </p:txBody>
       </p:sp>
-      <mc:AlternateContent xmlns:mc="http://schemas.openxmlformats.org/markup-compatibility/2006">
-        <mc:Choice xmlns:a14="http://schemas.microsoft.com/office/drawing/2010/main" Requires="a14">
+      <mc:AlternateContent xmlns:mc="http://schemas.openxmlformats.org/markup-compatibility/2006" xmlns:a14="http://schemas.microsoft.com/office/drawing/2010/main">
+        <mc:Choice Requires="a14">
           <p:sp>
             <p:nvSpPr>
               <p:cNvPr id="3" name="TextBox 2"/>
@@ -4278,7 +4279,7 @@
             </p:txBody>
           </p:sp>
         </mc:Choice>
-        <mc:Fallback>
+        <mc:Fallback xmlns="">
           <p:sp>
             <p:nvSpPr>
               <p:cNvPr id="3" name="TextBox 2"/>
@@ -7368,14 +7369,7 @@
                 <a:latin typeface="Arial" panose="020B0604020202020204" pitchFamily="34" charset="0"/>
                 <a:cs typeface="Arial" panose="020B0604020202020204" pitchFamily="34" charset="0"/>
               </a:rPr>
-              <a:t>No-flux boundary conditions</a:t>
-            </a:r>
-            <a:r>
-              <a:rPr lang="en-US" dirty="0" smtClean="0">
-                <a:latin typeface="Arial" panose="020B0604020202020204" pitchFamily="34" charset="0"/>
-                <a:cs typeface="Arial" panose="020B0604020202020204" pitchFamily="34" charset="0"/>
-              </a:rPr>
-              <a:t>:</a:t>
+              <a:t>No-flux boundary conditions:</a:t>
             </a:r>
           </a:p>
           <a:p>
@@ -7405,8 +7399,8 @@
           </a:p>
         </p:txBody>
       </p:sp>
-      <mc:AlternateContent xmlns:mc="http://schemas.openxmlformats.org/markup-compatibility/2006">
-        <mc:Choice xmlns:a14="http://schemas.microsoft.com/office/drawing/2010/main" Requires="a14">
+      <mc:AlternateContent xmlns:mc="http://schemas.openxmlformats.org/markup-compatibility/2006" xmlns:a14="http://schemas.microsoft.com/office/drawing/2010/main">
+        <mc:Choice Requires="a14">
           <p:sp>
             <p:nvSpPr>
               <p:cNvPr id="4" name="Rectangle 3"/>
@@ -7520,7 +7514,7 @@
             </p:txBody>
           </p:sp>
         </mc:Choice>
-        <mc:Fallback>
+        <mc:Fallback xmlns="">
           <p:sp>
             <p:nvSpPr>
               <p:cNvPr id="4" name="Rectangle 3"/>
@@ -7559,8 +7553,8 @@
           </p:sp>
         </mc:Fallback>
       </mc:AlternateContent>
-      <mc:AlternateContent xmlns:mc="http://schemas.openxmlformats.org/markup-compatibility/2006">
-        <mc:Choice xmlns:a14="http://schemas.microsoft.com/office/drawing/2010/main" Requires="a14">
+      <mc:AlternateContent xmlns:mc="http://schemas.openxmlformats.org/markup-compatibility/2006" xmlns:a14="http://schemas.microsoft.com/office/drawing/2010/main">
+        <mc:Choice Requires="a14">
           <p:sp>
             <p:nvSpPr>
               <p:cNvPr id="5" name="Rectangle 4"/>
@@ -7684,7 +7678,7 @@
             </p:txBody>
           </p:sp>
         </mc:Choice>
-        <mc:Fallback>
+        <mc:Fallback xmlns="">
           <p:sp>
             <p:nvSpPr>
               <p:cNvPr id="5" name="Rectangle 4"/>
@@ -8632,13 +8626,13 @@
                 <p:ph idx="1"/>
                 <p:extLst>
                   <p:ext uri="{D42A27DB-BD31-4B8C-83A1-F6EECF244321}">
-                    <p14:modId xmlns:p14="http://schemas.microsoft.com/office/powerpoint/2010/main" val="3382665979"/>
+                    <p14:modId xmlns:p14="http://schemas.microsoft.com/office/powerpoint/2010/main" val="3984356862"/>
                   </p:ext>
                 </p:extLst>
               </p:nvPr>
             </p:nvGraphicFramePr>
             <p:xfrm>
-              <a:off x="1827066" y="402351"/>
+              <a:off x="1706880" y="0"/>
               <a:ext cx="8537868" cy="6053297"/>
             </p:xfrm>
             <a:graphic>
@@ -9219,10 +9213,6 @@
                             </a:rPr>
                             <a:t>]</a:t>
                           </a:r>
-                          <a:endParaRPr lang="en-US" sz="1400" dirty="0" smtClean="0">
-                            <a:latin typeface="Arial" panose="020B0604020202020204" pitchFamily="34" charset="0"/>
-                            <a:cs typeface="Arial" panose="020B0604020202020204" pitchFamily="34" charset="0"/>
-                          </a:endParaRPr>
                         </a:p>
                       </a:txBody>
                       <a:tcPr anchor="ctr"/>
@@ -9355,10 +9345,6 @@
                             </a:rPr>
                             <a:t>/s]</a:t>
                           </a:r>
-                          <a:endParaRPr lang="en-US" sz="1400" dirty="0" smtClean="0">
-                            <a:latin typeface="Arial" panose="020B0604020202020204" pitchFamily="34" charset="0"/>
-                            <a:cs typeface="Arial" panose="020B0604020202020204" pitchFamily="34" charset="0"/>
-                          </a:endParaRPr>
                         </a:p>
                       </a:txBody>
                       <a:tcPr anchor="ctr"/>
@@ -9536,10 +9522,6 @@
                             </a:rPr>
                             <a:t>]</a:t>
                           </a:r>
-                          <a:endParaRPr lang="en-US" sz="1400" dirty="0" smtClean="0">
-                            <a:latin typeface="Arial" panose="020B0604020202020204" pitchFamily="34" charset="0"/>
-                            <a:cs typeface="Arial" panose="020B0604020202020204" pitchFamily="34" charset="0"/>
-                          </a:endParaRPr>
                         </a:p>
                       </a:txBody>
                       <a:tcPr anchor="ctr"/>
@@ -9651,10 +9633,6 @@
                             </a:rPr>
                             <a:t>0.51 [1/s]</a:t>
                           </a:r>
-                          <a:endParaRPr lang="en-US" sz="1400" dirty="0" smtClean="0">
-                            <a:latin typeface="Arial" panose="020B0604020202020204" pitchFamily="34" charset="0"/>
-                            <a:cs typeface="Arial" panose="020B0604020202020204" pitchFamily="34" charset="0"/>
-                          </a:endParaRPr>
                         </a:p>
                       </a:txBody>
                       <a:tcPr anchor="ctr"/>
@@ -9787,10 +9765,6 @@
                             </a:rPr>
                             <a:t>]</a:t>
                           </a:r>
-                          <a:endParaRPr lang="en-US" sz="1400" dirty="0" smtClean="0">
-                            <a:latin typeface="Arial" panose="020B0604020202020204" pitchFamily="34" charset="0"/>
-                            <a:cs typeface="Arial" panose="020B0604020202020204" pitchFamily="34" charset="0"/>
-                          </a:endParaRPr>
                         </a:p>
                       </a:txBody>
                       <a:tcPr anchor="ctr"/>
@@ -9921,10 +9895,6 @@
                             </a:rPr>
                             <a:t>20</a:t>
                           </a:r>
-                          <a:endParaRPr lang="en-US" sz="1400" dirty="0" smtClean="0">
-                            <a:latin typeface="Arial" panose="020B0604020202020204" pitchFamily="34" charset="0"/>
-                            <a:cs typeface="Arial" panose="020B0604020202020204" pitchFamily="34" charset="0"/>
-                          </a:endParaRPr>
                         </a:p>
                       </a:txBody>
                       <a:tcPr anchor="ctr"/>
@@ -10194,10 +10164,6 @@
                             </a:rPr>
                             <a:t>]</a:t>
                           </a:r>
-                          <a:endParaRPr lang="en-US" sz="1400" dirty="0" smtClean="0">
-                            <a:latin typeface="Arial" panose="020B0604020202020204" pitchFamily="34" charset="0"/>
-                            <a:cs typeface="Arial" panose="020B0604020202020204" pitchFamily="34" charset="0"/>
-                          </a:endParaRPr>
                         </a:p>
                       </a:txBody>
                       <a:tcPr anchor="ctr"/>
@@ -10321,10 +10287,6 @@
                             </a:rPr>
                             <a:t>0.08 [1/s]</a:t>
                           </a:r>
-                          <a:endParaRPr lang="en-US" sz="1400" dirty="0" smtClean="0">
-                            <a:latin typeface="Arial" panose="020B0604020202020204" pitchFamily="34" charset="0"/>
-                            <a:cs typeface="Arial" panose="020B0604020202020204" pitchFamily="34" charset="0"/>
-                          </a:endParaRPr>
                         </a:p>
                       </a:txBody>
                       <a:tcPr anchor="ctr"/>
@@ -10450,10 +10412,6 @@
                             </a:rPr>
                             <a:t>/s]</a:t>
                           </a:r>
-                          <a:endParaRPr lang="en-US" sz="1400" dirty="0" smtClean="0">
-                            <a:latin typeface="Arial" panose="020B0604020202020204" pitchFamily="34" charset="0"/>
-                            <a:cs typeface="Arial" panose="020B0604020202020204" pitchFamily="34" charset="0"/>
-                          </a:endParaRPr>
                         </a:p>
                       </a:txBody>
                       <a:tcPr anchor="ctr"/>
@@ -10525,14 +10483,7 @@
                               <a:latin typeface="Arial" panose="020B0604020202020204" pitchFamily="34" charset="0"/>
                               <a:cs typeface="Arial" panose="020B0604020202020204" pitchFamily="34" charset="0"/>
                             </a:rPr>
-                            <a:t>Diffusivity </a:t>
-                          </a:r>
-                          <a:r>
-                            <a:rPr lang="en-US" sz="1400" baseline="0" dirty="0" smtClean="0">
-                              <a:latin typeface="Arial" panose="020B0604020202020204" pitchFamily="34" charset="0"/>
-                              <a:cs typeface="Arial" panose="020B0604020202020204" pitchFamily="34" charset="0"/>
-                            </a:rPr>
-                            <a:t>of IP3</a:t>
+                            <a:t>Diffusivity of IP3</a:t>
                           </a:r>
                           <a:r>
                             <a:rPr lang="en-US" sz="1400" baseline="30000" dirty="0" smtClean="0">
@@ -10661,14 +10612,7 @@
                               <a:latin typeface="Arial" panose="020B0604020202020204" pitchFamily="34" charset="0"/>
                               <a:cs typeface="Arial" panose="020B0604020202020204" pitchFamily="34" charset="0"/>
                             </a:rPr>
-                            <a:t>Diffusivity </a:t>
-                          </a:r>
-                          <a:r>
-                            <a:rPr lang="en-US" sz="1400" baseline="0" dirty="0" smtClean="0">
-                              <a:latin typeface="Arial" panose="020B0604020202020204" pitchFamily="34" charset="0"/>
-                              <a:cs typeface="Arial" panose="020B0604020202020204" pitchFamily="34" charset="0"/>
-                            </a:rPr>
-                            <a:t>of calcium</a:t>
+                            <a:t>Diffusivity of calcium</a:t>
                           </a:r>
                           <a:r>
                             <a:rPr lang="en-US" sz="1400" baseline="30000" dirty="0" smtClean="0">
@@ -10785,14 +10729,7 @@
                               <a:latin typeface="Arial" panose="020B0604020202020204" pitchFamily="34" charset="0"/>
                               <a:cs typeface="Arial" panose="020B0604020202020204" pitchFamily="34" charset="0"/>
                             </a:rPr>
-                            <a:t>Permeability of </a:t>
-                          </a:r>
-                          <a:r>
-                            <a:rPr lang="en-US" sz="1400" baseline="0" dirty="0" smtClean="0">
-                              <a:latin typeface="Arial" panose="020B0604020202020204" pitchFamily="34" charset="0"/>
-                              <a:cs typeface="Arial" panose="020B0604020202020204" pitchFamily="34" charset="0"/>
-                            </a:rPr>
-                            <a:t>IP3</a:t>
+                            <a:t>Permeability of IP3</a:t>
                           </a:r>
                           <a:r>
                             <a:rPr lang="en-US" sz="1400" baseline="30000" dirty="0" smtClean="0">
@@ -10921,14 +10858,7 @@
                               <a:latin typeface="Arial" panose="020B0604020202020204" pitchFamily="34" charset="0"/>
                               <a:cs typeface="Arial" panose="020B0604020202020204" pitchFamily="34" charset="0"/>
                             </a:rPr>
-                            <a:t>Permeability of </a:t>
-                          </a:r>
-                          <a:r>
-                            <a:rPr lang="en-US" sz="1400" baseline="0" dirty="0" smtClean="0">
-                              <a:latin typeface="Arial" panose="020B0604020202020204" pitchFamily="34" charset="0"/>
-                              <a:cs typeface="Arial" panose="020B0604020202020204" pitchFamily="34" charset="0"/>
-                            </a:rPr>
-                            <a:t>calcium</a:t>
+                            <a:t>Permeability of calcium</a:t>
                           </a:r>
                           <a:r>
                             <a:rPr lang="en-US" sz="1400" baseline="30000" dirty="0" smtClean="0">
@@ -11004,13 +10934,13 @@
                 <p:ph idx="1"/>
                 <p:extLst>
                   <p:ext uri="{D42A27DB-BD31-4B8C-83A1-F6EECF244321}">
-                    <p14:modId xmlns:p14="http://schemas.microsoft.com/office/powerpoint/2010/main" val="3382665979"/>
+                    <p14:modId xmlns:p14="http://schemas.microsoft.com/office/powerpoint/2010/main" val="3984356862"/>
                   </p:ext>
                 </p:extLst>
               </p:nvPr>
             </p:nvGraphicFramePr>
             <p:xfrm>
-              <a:off x="1827066" y="402351"/>
+              <a:off x="1706880" y="0"/>
               <a:ext cx="8537868" cy="6053297"/>
             </p:xfrm>
             <a:graphic>
@@ -11102,7 +11032,7 @@
                         <a:blipFill rotWithShape="0">
                           <a:blip r:embed="rId3"/>
                           <a:stretch>
-                            <a:fillRect l="-552" t="-96296" r="-676796" b="-1661111"/>
+                            <a:fillRect l="-1105" t="-96296" r="-676243" b="-1661111"/>
                           </a:stretch>
                         </a:blipFill>
                       </a:tcPr>
@@ -11182,7 +11112,7 @@
                         <a:blipFill rotWithShape="0">
                           <a:blip r:embed="rId3"/>
                           <a:stretch>
-                            <a:fillRect l="-552" t="-196296" r="-676796" b="-1561111"/>
+                            <a:fillRect l="-1105" t="-196296" r="-676243" b="-1561111"/>
                           </a:stretch>
                         </a:blipFill>
                       </a:tcPr>
@@ -11250,7 +11180,7 @@
                         <a:blipFill rotWithShape="0">
                           <a:blip r:embed="rId3"/>
                           <a:stretch>
-                            <a:fillRect l="-552" t="-296296" r="-676796" b="-1461111"/>
+                            <a:fillRect l="-1105" t="-296296" r="-676243" b="-1461111"/>
                           </a:stretch>
                         </a:blipFill>
                       </a:tcPr>
@@ -11355,7 +11285,7 @@
                         <a:blipFill rotWithShape="0">
                           <a:blip r:embed="rId3"/>
                           <a:stretch>
-                            <a:fillRect l="-552" t="-396296" r="-676796" b="-1361111"/>
+                            <a:fillRect l="-1105" t="-396296" r="-676243" b="-1361111"/>
                           </a:stretch>
                         </a:blipFill>
                       </a:tcPr>
@@ -11443,10 +11373,6 @@
                             </a:rPr>
                             <a:t>]</a:t>
                           </a:r>
-                          <a:endParaRPr lang="en-US" sz="1400" dirty="0" smtClean="0">
-                            <a:latin typeface="Arial" panose="020B0604020202020204" pitchFamily="34" charset="0"/>
-                            <a:cs typeface="Arial" panose="020B0604020202020204" pitchFamily="34" charset="0"/>
-                          </a:endParaRPr>
                         </a:p>
                       </a:txBody>
                       <a:tcPr anchor="ctr"/>
@@ -11465,7 +11391,7 @@
                         <a:blipFill rotWithShape="0">
                           <a:blip r:embed="rId3"/>
                           <a:stretch>
-                            <a:fillRect l="-552" t="-496296" r="-676796" b="-1261111"/>
+                            <a:fillRect l="-1105" t="-496296" r="-676243" b="-1261111"/>
                           </a:stretch>
                         </a:blipFill>
                       </a:tcPr>
@@ -11548,10 +11474,6 @@
                             </a:rPr>
                             <a:t>/s]</a:t>
                           </a:r>
-                          <a:endParaRPr lang="en-US" sz="1400" dirty="0" smtClean="0">
-                            <a:latin typeface="Arial" panose="020B0604020202020204" pitchFamily="34" charset="0"/>
-                            <a:cs typeface="Arial" panose="020B0604020202020204" pitchFamily="34" charset="0"/>
-                          </a:endParaRPr>
                         </a:p>
                       </a:txBody>
                       <a:tcPr anchor="ctr"/>
@@ -11570,7 +11492,7 @@
                         <a:blipFill rotWithShape="0">
                           <a:blip r:embed="rId3"/>
                           <a:stretch>
-                            <a:fillRect l="-552" t="-480597" r="-676796" b="-916418"/>
+                            <a:fillRect l="-1105" t="-480597" r="-676243" b="-916418"/>
                           </a:stretch>
                         </a:blipFill>
                       </a:tcPr>
@@ -11697,10 +11619,6 @@
                             </a:rPr>
                             <a:t>]</a:t>
                           </a:r>
-                          <a:endParaRPr lang="en-US" sz="1400" dirty="0" smtClean="0">
-                            <a:latin typeface="Arial" panose="020B0604020202020204" pitchFamily="34" charset="0"/>
-                            <a:cs typeface="Arial" panose="020B0604020202020204" pitchFamily="34" charset="0"/>
-                          </a:endParaRPr>
                         </a:p>
                       </a:txBody>
                       <a:tcPr anchor="ctr"/>
@@ -11719,7 +11637,7 @@
                         <a:blipFill rotWithShape="0">
                           <a:blip r:embed="rId3"/>
                           <a:stretch>
-                            <a:fillRect l="-552" t="-720370" r="-676796" b="-1037037"/>
+                            <a:fillRect l="-1105" t="-720370" r="-676243" b="-1037037"/>
                           </a:stretch>
                         </a:blipFill>
                       </a:tcPr>
@@ -11781,10 +11699,6 @@
                             </a:rPr>
                             <a:t>0.51 [1/s]</a:t>
                           </a:r>
-                          <a:endParaRPr lang="en-US" sz="1400" dirty="0" smtClean="0">
-                            <a:latin typeface="Arial" panose="020B0604020202020204" pitchFamily="34" charset="0"/>
-                            <a:cs typeface="Arial" panose="020B0604020202020204" pitchFamily="34" charset="0"/>
-                          </a:endParaRPr>
                         </a:p>
                       </a:txBody>
                       <a:tcPr anchor="ctr"/>
@@ -11803,7 +11717,7 @@
                         <a:blipFill rotWithShape="0">
                           <a:blip r:embed="rId3"/>
                           <a:stretch>
-                            <a:fillRect l="-552" t="-820370" r="-676796" b="-937037"/>
+                            <a:fillRect l="-1105" t="-820370" r="-676243" b="-937037"/>
                           </a:stretch>
                         </a:blipFill>
                       </a:tcPr>
@@ -11886,10 +11800,6 @@
                             </a:rPr>
                             <a:t>]</a:t>
                           </a:r>
-                          <a:endParaRPr lang="en-US" sz="1400" dirty="0" smtClean="0">
-                            <a:latin typeface="Arial" panose="020B0604020202020204" pitchFamily="34" charset="0"/>
-                            <a:cs typeface="Arial" panose="020B0604020202020204" pitchFamily="34" charset="0"/>
-                          </a:endParaRPr>
                         </a:p>
                       </a:txBody>
                       <a:tcPr anchor="ctr"/>
@@ -11908,7 +11818,7 @@
                         <a:blipFill rotWithShape="0">
                           <a:blip r:embed="rId3"/>
                           <a:stretch>
-                            <a:fillRect l="-552" t="-920370" r="-676796" b="-837037"/>
+                            <a:fillRect l="-1105" t="-920370" r="-676243" b="-837037"/>
                           </a:stretch>
                         </a:blipFill>
                       </a:tcPr>
@@ -11977,10 +11887,6 @@
                             </a:rPr>
                             <a:t>20</a:t>
                           </a:r>
-                          <a:endParaRPr lang="en-US" sz="1400" dirty="0" smtClean="0">
-                            <a:latin typeface="Arial" panose="020B0604020202020204" pitchFamily="34" charset="0"/>
-                            <a:cs typeface="Arial" panose="020B0604020202020204" pitchFamily="34" charset="0"/>
-                          </a:endParaRPr>
                         </a:p>
                       </a:txBody>
                       <a:tcPr anchor="ctr"/>
@@ -11999,7 +11905,7 @@
                         <a:blipFill rotWithShape="0">
                           <a:blip r:embed="rId3"/>
                           <a:stretch>
-                            <a:fillRect l="-552" t="-1020370" r="-676796" b="-737037"/>
+                            <a:fillRect l="-1105" t="-1020370" r="-676243" b="-737037"/>
                           </a:stretch>
                         </a:blipFill>
                       </a:tcPr>
@@ -12079,7 +11985,7 @@
                         <a:blipFill rotWithShape="0">
                           <a:blip r:embed="rId3"/>
                           <a:stretch>
-                            <a:fillRect l="-552" t="-916667" r="-676796" b="-503030"/>
+                            <a:fillRect l="-1105" t="-916667" r="-676243" b="-503030"/>
                           </a:stretch>
                         </a:blipFill>
                       </a:tcPr>
@@ -12187,10 +12093,6 @@
                             </a:rPr>
                             <a:t>]</a:t>
                           </a:r>
-                          <a:endParaRPr lang="en-US" sz="1400" dirty="0" smtClean="0">
-                            <a:latin typeface="Arial" panose="020B0604020202020204" pitchFamily="34" charset="0"/>
-                            <a:cs typeface="Arial" panose="020B0604020202020204" pitchFamily="34" charset="0"/>
-                          </a:endParaRPr>
                         </a:p>
                       </a:txBody>
                       <a:tcPr anchor="ctr"/>
@@ -12209,7 +12111,7 @@
                         <a:blipFill rotWithShape="0">
                           <a:blip r:embed="rId3"/>
                           <a:stretch>
-                            <a:fillRect l="-552" t="-1242593" r="-676796" b="-514815"/>
+                            <a:fillRect l="-1105" t="-1242593" r="-676243" b="-514815"/>
                           </a:stretch>
                         </a:blipFill>
                       </a:tcPr>
@@ -12283,10 +12185,6 @@
                             </a:rPr>
                             <a:t>0.08 [1/s]</a:t>
                           </a:r>
-                          <a:endParaRPr lang="en-US" sz="1400" dirty="0" smtClean="0">
-                            <a:latin typeface="Arial" panose="020B0604020202020204" pitchFamily="34" charset="0"/>
-                            <a:cs typeface="Arial" panose="020B0604020202020204" pitchFamily="34" charset="0"/>
-                          </a:endParaRPr>
                         </a:p>
                       </a:txBody>
                       <a:tcPr anchor="ctr"/>
@@ -12305,7 +12203,7 @@
                         <a:blipFill rotWithShape="0">
                           <a:blip r:embed="rId3"/>
                           <a:stretch>
-                            <a:fillRect l="-552" t="-1342593" r="-676796" b="-414815"/>
+                            <a:fillRect l="-1105" t="-1342593" r="-676243" b="-414815"/>
                           </a:stretch>
                         </a:blipFill>
                       </a:tcPr>
@@ -12381,10 +12279,6 @@
                             </a:rPr>
                             <a:t>/s]</a:t>
                           </a:r>
-                          <a:endParaRPr lang="en-US" sz="1400" dirty="0" smtClean="0">
-                            <a:latin typeface="Arial" panose="020B0604020202020204" pitchFamily="34" charset="0"/>
-                            <a:cs typeface="Arial" panose="020B0604020202020204" pitchFamily="34" charset="0"/>
-                          </a:endParaRPr>
                         </a:p>
                       </a:txBody>
                       <a:tcPr anchor="ctr"/>
@@ -12403,7 +12297,7 @@
                         <a:blipFill rotWithShape="0">
                           <a:blip r:embed="rId3"/>
                           <a:stretch>
-                            <a:fillRect l="-552" t="-1442593" r="-676796" b="-314815"/>
+                            <a:fillRect l="-1105" t="-1442593" r="-676243" b="-314815"/>
                           </a:stretch>
                         </a:blipFill>
                       </a:tcPr>
@@ -12419,14 +12313,7 @@
                               <a:latin typeface="Arial" panose="020B0604020202020204" pitchFamily="34" charset="0"/>
                               <a:cs typeface="Arial" panose="020B0604020202020204" pitchFamily="34" charset="0"/>
                             </a:rPr>
-                            <a:t>Diffusivity </a:t>
-                          </a:r>
-                          <a:r>
-                            <a:rPr lang="en-US" sz="1400" baseline="0" dirty="0" smtClean="0">
-                              <a:latin typeface="Arial" panose="020B0604020202020204" pitchFamily="34" charset="0"/>
-                              <a:cs typeface="Arial" panose="020B0604020202020204" pitchFamily="34" charset="0"/>
-                            </a:rPr>
-                            <a:t>of IP3</a:t>
+                            <a:t>Diffusivity of IP3</a:t>
                           </a:r>
                           <a:r>
                             <a:rPr lang="en-US" sz="1400" baseline="30000" dirty="0" smtClean="0">
@@ -12492,7 +12379,7 @@
                         <a:blipFill rotWithShape="0">
                           <a:blip r:embed="rId3"/>
                           <a:stretch>
-                            <a:fillRect l="-552" t="-1542593" r="-676796" b="-214815"/>
+                            <a:fillRect l="-1105" t="-1542593" r="-676243" b="-214815"/>
                           </a:stretch>
                         </a:blipFill>
                       </a:tcPr>
@@ -12508,14 +12395,7 @@
                               <a:latin typeface="Arial" panose="020B0604020202020204" pitchFamily="34" charset="0"/>
                               <a:cs typeface="Arial" panose="020B0604020202020204" pitchFamily="34" charset="0"/>
                             </a:rPr>
-                            <a:t>Diffusivity </a:t>
-                          </a:r>
-                          <a:r>
-                            <a:rPr lang="en-US" sz="1400" baseline="0" dirty="0" smtClean="0">
-                              <a:latin typeface="Arial" panose="020B0604020202020204" pitchFamily="34" charset="0"/>
-                              <a:cs typeface="Arial" panose="020B0604020202020204" pitchFamily="34" charset="0"/>
-                            </a:rPr>
-                            <a:t>of calcium</a:t>
+                            <a:t>Diffusivity of calcium</a:t>
                           </a:r>
                           <a:r>
                             <a:rPr lang="en-US" sz="1400" baseline="30000" dirty="0" smtClean="0">
@@ -12579,7 +12459,7 @@
                         <a:blipFill rotWithShape="0">
                           <a:blip r:embed="rId3"/>
                           <a:stretch>
-                            <a:fillRect l="-552" t="-1642593" r="-676796" b="-114815"/>
+                            <a:fillRect l="-1105" t="-1642593" r="-676243" b="-114815"/>
                           </a:stretch>
                         </a:blipFill>
                       </a:tcPr>
@@ -12595,14 +12475,7 @@
                               <a:latin typeface="Arial" panose="020B0604020202020204" pitchFamily="34" charset="0"/>
                               <a:cs typeface="Arial" panose="020B0604020202020204" pitchFamily="34" charset="0"/>
                             </a:rPr>
-                            <a:t>Permeability of </a:t>
-                          </a:r>
-                          <a:r>
-                            <a:rPr lang="en-US" sz="1400" baseline="0" dirty="0" smtClean="0">
-                              <a:latin typeface="Arial" panose="020B0604020202020204" pitchFamily="34" charset="0"/>
-                              <a:cs typeface="Arial" panose="020B0604020202020204" pitchFamily="34" charset="0"/>
-                            </a:rPr>
-                            <a:t>IP3</a:t>
+                            <a:t>Permeability of IP3</a:t>
                           </a:r>
                           <a:r>
                             <a:rPr lang="en-US" sz="1400" baseline="30000" dirty="0" smtClean="0">
@@ -12668,7 +12541,7 @@
                         <a:blipFill rotWithShape="0">
                           <a:blip r:embed="rId3"/>
                           <a:stretch>
-                            <a:fillRect l="-552" t="-1742593" r="-676796" b="-14815"/>
+                            <a:fillRect l="-1105" t="-1742593" r="-676243" b="-14815"/>
                           </a:stretch>
                         </a:blipFill>
                       </a:tcPr>
@@ -12684,14 +12557,7 @@
                               <a:latin typeface="Arial" panose="020B0604020202020204" pitchFamily="34" charset="0"/>
                               <a:cs typeface="Arial" panose="020B0604020202020204" pitchFamily="34" charset="0"/>
                             </a:rPr>
-                            <a:t>Permeability of </a:t>
-                          </a:r>
-                          <a:r>
-                            <a:rPr lang="en-US" sz="1400" baseline="0" dirty="0" smtClean="0">
-                              <a:latin typeface="Arial" panose="020B0604020202020204" pitchFamily="34" charset="0"/>
-                              <a:cs typeface="Arial" panose="020B0604020202020204" pitchFamily="34" charset="0"/>
-                            </a:rPr>
-                            <a:t>calcium</a:t>
+                            <a:t>Permeability of calcium</a:t>
                           </a:r>
                           <a:r>
                             <a:rPr lang="en-US" sz="1400" baseline="30000" dirty="0" smtClean="0">
@@ -13081,6 +12947,225 @@
           </a:p>
         </p:txBody>
       </p:sp>
+      <p:sp>
+        <p:nvSpPr>
+          <p:cNvPr id="7" name="Rectangle 6"/>
+          <p:cNvSpPr/>
+          <p:nvPr/>
+        </p:nvSpPr>
+        <p:spPr>
+          <a:xfrm>
+            <a:off x="-8396" y="6172200"/>
+            <a:ext cx="12191999" cy="553998"/>
+          </a:xfrm>
+          <a:prstGeom prst="rect">
+            <a:avLst/>
+          </a:prstGeom>
+        </p:spPr>
+        <p:txBody>
+          <a:bodyPr wrap="square">
+            <a:spAutoFit/>
+          </a:bodyPr>
+          <a:lstStyle/>
+          <a:p>
+            <a:r>
+              <a:rPr lang="en-US" sz="1000" dirty="0" smtClean="0">
+                <a:solidFill>
+                  <a:srgbClr val="222222"/>
+                </a:solidFill>
+                <a:latin typeface="Arial" panose="020B0604020202020204" pitchFamily="34" charset="0"/>
+                <a:cs typeface="Arial" panose="020B0604020202020204" pitchFamily="34" charset="0"/>
+              </a:rPr>
+              <a:t>1. </a:t>
+            </a:r>
+            <a:r>
+              <a:rPr lang="en-US" sz="1000" dirty="0" err="1" smtClean="0">
+                <a:solidFill>
+                  <a:srgbClr val="222222"/>
+                </a:solidFill>
+                <a:latin typeface="Arial" panose="020B0604020202020204" pitchFamily="34" charset="0"/>
+                <a:cs typeface="Arial" panose="020B0604020202020204" pitchFamily="34" charset="0"/>
+              </a:rPr>
+              <a:t>Höfer</a:t>
+            </a:r>
+            <a:r>
+              <a:rPr lang="en-US" sz="1000" dirty="0">
+                <a:solidFill>
+                  <a:srgbClr val="222222"/>
+                </a:solidFill>
+                <a:latin typeface="Arial" panose="020B0604020202020204" pitchFamily="34" charset="0"/>
+                <a:cs typeface="Arial" panose="020B0604020202020204" pitchFamily="34" charset="0"/>
+              </a:rPr>
+              <a:t>, Thomas, Laurent </a:t>
+            </a:r>
+            <a:r>
+              <a:rPr lang="en-US" sz="1000" dirty="0" err="1">
+                <a:solidFill>
+                  <a:srgbClr val="222222"/>
+                </a:solidFill>
+                <a:latin typeface="Arial" panose="020B0604020202020204" pitchFamily="34" charset="0"/>
+                <a:cs typeface="Arial" panose="020B0604020202020204" pitchFamily="34" charset="0"/>
+              </a:rPr>
+              <a:t>Venance</a:t>
+            </a:r>
+            <a:r>
+              <a:rPr lang="en-US" sz="1000" dirty="0">
+                <a:solidFill>
+                  <a:srgbClr val="222222"/>
+                </a:solidFill>
+                <a:latin typeface="Arial" panose="020B0604020202020204" pitchFamily="34" charset="0"/>
+                <a:cs typeface="Arial" panose="020B0604020202020204" pitchFamily="34" charset="0"/>
+              </a:rPr>
+              <a:t>, and Christian </a:t>
+            </a:r>
+            <a:r>
+              <a:rPr lang="en-US" sz="1000" dirty="0" err="1">
+                <a:solidFill>
+                  <a:srgbClr val="222222"/>
+                </a:solidFill>
+                <a:latin typeface="Arial" panose="020B0604020202020204" pitchFamily="34" charset="0"/>
+                <a:cs typeface="Arial" panose="020B0604020202020204" pitchFamily="34" charset="0"/>
+              </a:rPr>
+              <a:t>Giaume</a:t>
+            </a:r>
+            <a:r>
+              <a:rPr lang="en-US" sz="1000" dirty="0">
+                <a:solidFill>
+                  <a:srgbClr val="222222"/>
+                </a:solidFill>
+                <a:latin typeface="Arial" panose="020B0604020202020204" pitchFamily="34" charset="0"/>
+                <a:cs typeface="Arial" panose="020B0604020202020204" pitchFamily="34" charset="0"/>
+              </a:rPr>
+              <a:t>. "Control and plasticity of intercellular calcium waves in astrocytes: a modeling approach." </a:t>
+            </a:r>
+            <a:r>
+              <a:rPr lang="en-US" sz="1000" i="1" dirty="0">
+                <a:solidFill>
+                  <a:srgbClr val="222222"/>
+                </a:solidFill>
+                <a:latin typeface="Arial" panose="020B0604020202020204" pitchFamily="34" charset="0"/>
+                <a:cs typeface="Arial" panose="020B0604020202020204" pitchFamily="34" charset="0"/>
+              </a:rPr>
+              <a:t>The Journal of neuroscience</a:t>
+            </a:r>
+            <a:r>
+              <a:rPr lang="en-US" sz="1000" dirty="0">
+                <a:solidFill>
+                  <a:srgbClr val="222222"/>
+                </a:solidFill>
+                <a:latin typeface="Arial" panose="020B0604020202020204" pitchFamily="34" charset="0"/>
+                <a:cs typeface="Arial" panose="020B0604020202020204" pitchFamily="34" charset="0"/>
+              </a:rPr>
+              <a:t> 22.12 (2002): 4850-4859</a:t>
+            </a:r>
+            <a:r>
+              <a:rPr lang="en-US" sz="1000" dirty="0" smtClean="0">
+                <a:solidFill>
+                  <a:srgbClr val="222222"/>
+                </a:solidFill>
+                <a:latin typeface="Arial" panose="020B0604020202020204" pitchFamily="34" charset="0"/>
+                <a:cs typeface="Arial" panose="020B0604020202020204" pitchFamily="34" charset="0"/>
+              </a:rPr>
+              <a:t>.</a:t>
+            </a:r>
+          </a:p>
+          <a:p>
+            <a:r>
+              <a:rPr lang="en-US" sz="1000" dirty="0" smtClean="0">
+                <a:latin typeface="Arial" panose="020B0604020202020204" pitchFamily="34" charset="0"/>
+                <a:cs typeface="Arial" panose="020B0604020202020204" pitchFamily="34" charset="0"/>
+              </a:rPr>
+              <a:t>2</a:t>
+            </a:r>
+            <a:r>
+              <a:rPr lang="en-US" sz="1000" dirty="0">
+                <a:latin typeface="Arial" panose="020B0604020202020204" pitchFamily="34" charset="0"/>
+                <a:cs typeface="Arial" panose="020B0604020202020204" pitchFamily="34" charset="0"/>
+              </a:rPr>
+              <a:t>. </a:t>
+            </a:r>
+            <a:r>
+              <a:rPr lang="en-US" sz="1000" dirty="0" err="1">
+                <a:latin typeface="Arial" panose="020B0604020202020204" pitchFamily="34" charset="0"/>
+                <a:cs typeface="Arial" panose="020B0604020202020204" pitchFamily="34" charset="0"/>
+              </a:rPr>
+              <a:t>Sneyd</a:t>
+            </a:r>
+            <a:r>
+              <a:rPr lang="en-US" sz="1000" dirty="0">
+                <a:latin typeface="Arial" panose="020B0604020202020204" pitchFamily="34" charset="0"/>
+                <a:cs typeface="Arial" panose="020B0604020202020204" pitchFamily="34" charset="0"/>
+              </a:rPr>
+              <a:t>, J. A. M. E. S., et al. "Intercellular calcium waves mediated by diffusion of inositol trisphosphate: a two-dimensional model." </a:t>
+            </a:r>
+            <a:r>
+              <a:rPr lang="en-US" sz="1000" i="1" dirty="0">
+                <a:latin typeface="Arial" panose="020B0604020202020204" pitchFamily="34" charset="0"/>
+                <a:cs typeface="Arial" panose="020B0604020202020204" pitchFamily="34" charset="0"/>
+              </a:rPr>
+              <a:t>American Journal of Physiology-Cell Physiology</a:t>
+            </a:r>
+            <a:r>
+              <a:rPr lang="en-US" sz="1000" dirty="0">
+                <a:latin typeface="Arial" panose="020B0604020202020204" pitchFamily="34" charset="0"/>
+                <a:cs typeface="Arial" panose="020B0604020202020204" pitchFamily="34" charset="0"/>
+              </a:rPr>
+              <a:t> 268.6 (1995): C1537-C1545</a:t>
+            </a:r>
+            <a:r>
+              <a:rPr lang="en-US" sz="1000" dirty="0" smtClean="0">
+                <a:latin typeface="Arial" panose="020B0604020202020204" pitchFamily="34" charset="0"/>
+                <a:cs typeface="Arial" panose="020B0604020202020204" pitchFamily="34" charset="0"/>
+              </a:rPr>
+              <a:t>.</a:t>
+            </a:r>
+          </a:p>
+          <a:p>
+            <a:r>
+              <a:rPr lang="en-US" sz="1000" dirty="0" smtClean="0">
+                <a:latin typeface="Arial" panose="020B0604020202020204" pitchFamily="34" charset="0"/>
+                <a:cs typeface="Arial" panose="020B0604020202020204" pitchFamily="34" charset="0"/>
+              </a:rPr>
+              <a:t>3. </a:t>
+            </a:r>
+            <a:r>
+              <a:rPr lang="en-US" sz="1000" dirty="0">
+                <a:latin typeface="Arial" panose="020B0604020202020204" pitchFamily="34" charset="0"/>
+                <a:cs typeface="Arial" panose="020B0604020202020204" pitchFamily="34" charset="0"/>
+              </a:rPr>
+              <a:t>Keener, James P., and James </a:t>
+            </a:r>
+            <a:r>
+              <a:rPr lang="en-US" sz="1000" dirty="0" err="1">
+                <a:latin typeface="Arial" panose="020B0604020202020204" pitchFamily="34" charset="0"/>
+                <a:cs typeface="Arial" panose="020B0604020202020204" pitchFamily="34" charset="0"/>
+              </a:rPr>
+              <a:t>Sneyd</a:t>
+            </a:r>
+            <a:r>
+              <a:rPr lang="en-US" sz="1000" dirty="0">
+                <a:latin typeface="Arial" panose="020B0604020202020204" pitchFamily="34" charset="0"/>
+                <a:cs typeface="Arial" panose="020B0604020202020204" pitchFamily="34" charset="0"/>
+              </a:rPr>
+              <a:t>. </a:t>
+            </a:r>
+            <a:r>
+              <a:rPr lang="en-US" sz="1000" i="1" dirty="0">
+                <a:latin typeface="Arial" panose="020B0604020202020204" pitchFamily="34" charset="0"/>
+                <a:cs typeface="Arial" panose="020B0604020202020204" pitchFamily="34" charset="0"/>
+              </a:rPr>
+              <a:t>Mathematical physiology</a:t>
+            </a:r>
+            <a:r>
+              <a:rPr lang="en-US" sz="1000" dirty="0">
+                <a:latin typeface="Arial" panose="020B0604020202020204" pitchFamily="34" charset="0"/>
+                <a:cs typeface="Arial" panose="020B0604020202020204" pitchFamily="34" charset="0"/>
+              </a:rPr>
+              <a:t>. Vol. 1. New York: Springer, 1998.</a:t>
+            </a:r>
+          </a:p>
+        </p:txBody>
+      </p:sp>
     </p:spTree>
     <p:extLst>
       <p:ext uri="{BB962C8B-B14F-4D97-AF65-F5344CB8AC3E}">
@@ -13337,8 +13422,8 @@
           <a:chExt cx="0" cy="0"/>
         </a:xfrm>
       </p:grpSpPr>
-      <mc:AlternateContent xmlns:mc="http://schemas.openxmlformats.org/markup-compatibility/2006">
-        <mc:Choice xmlns:a14="http://schemas.microsoft.com/office/drawing/2010/main" Requires="a14">
+      <mc:AlternateContent xmlns:mc="http://schemas.openxmlformats.org/markup-compatibility/2006" xmlns:a14="http://schemas.microsoft.com/office/drawing/2010/main">
+        <mc:Choice Requires="a14">
           <p:sp>
             <p:nvSpPr>
               <p:cNvPr id="2" name="Title 1"/>
@@ -13399,7 +13484,7 @@
             </p:txBody>
           </p:sp>
         </mc:Choice>
-        <mc:Fallback>
+        <mc:Fallback xmlns="">
           <p:sp>
             <p:nvSpPr>
               <p:cNvPr id="2" name="Title 1"/>
@@ -15237,7 +15322,7 @@
         <p:spPr>
           <a:xfrm>
             <a:off x="3879414" y="4991107"/>
-            <a:ext cx="3248541" cy="1754326"/>
+            <a:ext cx="3248541" cy="1323439"/>
           </a:xfrm>
           <a:prstGeom prst="rect">
             <a:avLst/>
@@ -15251,27 +15336,27 @@
           <a:lstStyle/>
           <a:p>
             <a:r>
-              <a:rPr lang="en-US" dirty="0" smtClean="0">
+              <a:rPr lang="en-US" sz="1600" dirty="0" smtClean="0">
                 <a:latin typeface="Arial" panose="020B0604020202020204" pitchFamily="34" charset="0"/>
                 <a:cs typeface="Arial" panose="020B0604020202020204" pitchFamily="34" charset="0"/>
               </a:rPr>
               <a:t>Represents variable IP</a:t>
             </a:r>
             <a:r>
-              <a:rPr lang="en-US" baseline="-25000" dirty="0" smtClean="0">
+              <a:rPr lang="en-US" sz="1600" baseline="-25000" dirty="0" smtClean="0">
                 <a:latin typeface="Arial" panose="020B0604020202020204" pitchFamily="34" charset="0"/>
                 <a:cs typeface="Arial" panose="020B0604020202020204" pitchFamily="34" charset="0"/>
               </a:rPr>
               <a:t>3</a:t>
             </a:r>
             <a:r>
-              <a:rPr lang="en-US" dirty="0" smtClean="0">
+              <a:rPr lang="en-US" sz="1600" dirty="0" smtClean="0">
                 <a:latin typeface="Arial" panose="020B0604020202020204" pitchFamily="34" charset="0"/>
                 <a:cs typeface="Arial" panose="020B0604020202020204" pitchFamily="34" charset="0"/>
               </a:rPr>
               <a:t> generation signal where very high production rates can rarely occur, but production on average is the same as in pdf 1.</a:t>
             </a:r>
-            <a:endParaRPr lang="en-US" dirty="0">
+            <a:endParaRPr lang="en-US" sz="1600" dirty="0">
               <a:latin typeface="Arial" panose="020B0604020202020204" pitchFamily="34" charset="0"/>
               <a:cs typeface="Arial" panose="020B0604020202020204" pitchFamily="34" charset="0"/>
             </a:endParaRPr>
@@ -15287,7 +15372,7 @@
         <p:spPr>
           <a:xfrm>
             <a:off x="7365564" y="4990605"/>
-            <a:ext cx="3988236" cy="1754326"/>
+            <a:ext cx="3988236" cy="1323439"/>
           </a:xfrm>
           <a:prstGeom prst="rect">
             <a:avLst/>
@@ -15301,27 +15386,27 @@
           <a:lstStyle/>
           <a:p>
             <a:r>
-              <a:rPr lang="en-US" dirty="0" smtClean="0">
+              <a:rPr lang="en-US" sz="1600" dirty="0" smtClean="0">
                 <a:latin typeface="Arial" panose="020B0604020202020204" pitchFamily="34" charset="0"/>
                 <a:cs typeface="Arial" panose="020B0604020202020204" pitchFamily="34" charset="0"/>
               </a:rPr>
               <a:t>IP</a:t>
             </a:r>
             <a:r>
-              <a:rPr lang="en-US" baseline="-25000" dirty="0" smtClean="0">
+              <a:rPr lang="en-US" sz="1600" baseline="-25000" dirty="0" smtClean="0">
                 <a:latin typeface="Arial" panose="020B0604020202020204" pitchFamily="34" charset="0"/>
                 <a:cs typeface="Arial" panose="020B0604020202020204" pitchFamily="34" charset="0"/>
               </a:rPr>
               <a:t>3</a:t>
             </a:r>
             <a:r>
-              <a:rPr lang="en-US" dirty="0" smtClean="0">
+              <a:rPr lang="en-US" sz="1600" dirty="0" smtClean="0">
                 <a:latin typeface="Arial" panose="020B0604020202020204" pitchFamily="34" charset="0"/>
                 <a:cs typeface="Arial" panose="020B0604020202020204" pitchFamily="34" charset="0"/>
               </a:rPr>
               <a:t> signal with even higher variance than pdf 2. Here production rates will generally be very low but a greater frequency of high-rate events results in an average generation equal to pdf 1 and 2.</a:t>
             </a:r>
-            <a:endParaRPr lang="en-US" dirty="0">
+            <a:endParaRPr lang="en-US" sz="1600" dirty="0">
               <a:latin typeface="Arial" panose="020B0604020202020204" pitchFamily="34" charset="0"/>
               <a:cs typeface="Arial" panose="020B0604020202020204" pitchFamily="34" charset="0"/>
             </a:endParaRPr>
@@ -15522,10 +15607,1228 @@
           </a:p>
         </p:txBody>
       </p:sp>
+      <p:sp>
+        <p:nvSpPr>
+          <p:cNvPr id="4" name="Rectangle 3"/>
+          <p:cNvSpPr/>
+          <p:nvPr/>
+        </p:nvSpPr>
+        <p:spPr>
+          <a:xfrm>
+            <a:off x="335260" y="6334196"/>
+            <a:ext cx="11790453" cy="461665"/>
+          </a:xfrm>
+          <a:prstGeom prst="rect">
+            <a:avLst/>
+          </a:prstGeom>
+        </p:spPr>
+        <p:txBody>
+          <a:bodyPr wrap="square">
+            <a:spAutoFit/>
+          </a:bodyPr>
+          <a:lstStyle/>
+          <a:p>
+            <a:r>
+              <a:rPr lang="en-US" sz="2400" b="1" dirty="0">
+                <a:latin typeface="Arial" panose="020B0604020202020204" pitchFamily="34" charset="0"/>
+                <a:cs typeface="Arial" panose="020B0604020202020204" pitchFamily="34" charset="0"/>
+              </a:rPr>
+              <a:t>I called </a:t>
+            </a:r>
+            <a:r>
+              <a:rPr lang="en-US" sz="2400" b="1" dirty="0" smtClean="0">
+                <a:latin typeface="Arial" panose="020B0604020202020204" pitchFamily="34" charset="0"/>
+                <a:cs typeface="Arial" panose="020B0604020202020204" pitchFamily="34" charset="0"/>
+                <a:hlinkClick r:id="rId12"/>
+              </a:rPr>
+              <a:t>gamrnd</a:t>
+            </a:r>
+            <a:r>
+              <a:rPr lang="en-US" sz="2400" b="1" dirty="0" smtClean="0">
+                <a:latin typeface="Arial" panose="020B0604020202020204" pitchFamily="34" charset="0"/>
+                <a:cs typeface="Arial" panose="020B0604020202020204" pitchFamily="34" charset="0"/>
+              </a:rPr>
+              <a:t> in </a:t>
+            </a:r>
+            <a:r>
+              <a:rPr lang="en-US" sz="2400" b="1" dirty="0">
+                <a:latin typeface="Arial" panose="020B0604020202020204" pitchFamily="34" charset="0"/>
+                <a:cs typeface="Arial" panose="020B0604020202020204" pitchFamily="34" charset="0"/>
+              </a:rPr>
+              <a:t>MATLAB to generate random numbers on this distribution</a:t>
+            </a:r>
+          </a:p>
+        </p:txBody>
+      </p:sp>
     </p:spTree>
     <p:extLst>
       <p:ext uri="{BB962C8B-B14F-4D97-AF65-F5344CB8AC3E}">
         <p14:creationId xmlns:p14="http://schemas.microsoft.com/office/powerpoint/2010/main" val="4098381837"/>
+      </p:ext>
+    </p:extLst>
+  </p:cSld>
+  <p:clrMapOvr>
+    <a:masterClrMapping/>
+  </p:clrMapOvr>
+</p:sld>
+</file>
+
+<file path=ppt/slides/slide6.xml><?xml version="1.0" encoding="utf-8"?>
+<p:sld xmlns:a="http://schemas.openxmlformats.org/drawingml/2006/main" xmlns:r="http://schemas.openxmlformats.org/officeDocument/2006/relationships" xmlns:p="http://schemas.openxmlformats.org/presentationml/2006/main">
+  <p:cSld>
+    <p:spTree>
+      <p:nvGrpSpPr>
+        <p:cNvPr id="1" name=""/>
+        <p:cNvGrpSpPr/>
+        <p:nvPr/>
+      </p:nvGrpSpPr>
+      <p:grpSpPr>
+        <a:xfrm>
+          <a:off x="0" y="0"/>
+          <a:ext cx="0" cy="0"/>
+          <a:chOff x="0" y="0"/>
+          <a:chExt cx="0" cy="0"/>
+        </a:xfrm>
+      </p:grpSpPr>
+      <p:sp>
+        <p:nvSpPr>
+          <p:cNvPr id="2" name="Title 1"/>
+          <p:cNvSpPr>
+            <a:spLocks noGrp="1"/>
+          </p:cNvSpPr>
+          <p:nvPr>
+            <p:ph type="title"/>
+          </p:nvPr>
+        </p:nvSpPr>
+        <p:spPr/>
+        <p:txBody>
+          <a:bodyPr/>
+          <a:lstStyle/>
+          <a:p>
+            <a:r>
+              <a:rPr lang="en-US" dirty="0" smtClean="0">
+                <a:latin typeface="Arial" panose="020B0604020202020204" pitchFamily="34" charset="0"/>
+                <a:cs typeface="Arial" panose="020B0604020202020204" pitchFamily="34" charset="0"/>
+              </a:rPr>
+              <a:t>Stochastic term</a:t>
+            </a:r>
+            <a:endParaRPr lang="en-US" dirty="0">
+              <a:latin typeface="Arial" panose="020B0604020202020204" pitchFamily="34" charset="0"/>
+              <a:cs typeface="Arial" panose="020B0604020202020204" pitchFamily="34" charset="0"/>
+            </a:endParaRPr>
+          </a:p>
+        </p:txBody>
+      </p:sp>
+      <p:sp>
+        <p:nvSpPr>
+          <p:cNvPr id="3" name="Content Placeholder 2"/>
+          <p:cNvSpPr>
+            <a:spLocks noGrp="1"/>
+          </p:cNvSpPr>
+          <p:nvPr>
+            <p:ph idx="1"/>
+          </p:nvPr>
+        </p:nvSpPr>
+        <p:spPr>
+          <a:xfrm>
+            <a:off x="838200" y="1825624"/>
+            <a:ext cx="10515600" cy="4895215"/>
+          </a:xfrm>
+        </p:spPr>
+        <p:txBody>
+          <a:bodyPr>
+            <a:normAutofit fontScale="92500" lnSpcReduction="10000"/>
+          </a:bodyPr>
+          <a:lstStyle/>
+          <a:p>
+            <a:r>
+              <a:rPr lang="en-US" dirty="0" smtClean="0">
+                <a:latin typeface="Arial" panose="020B0604020202020204" pitchFamily="34" charset="0"/>
+                <a:cs typeface="Arial" panose="020B0604020202020204" pitchFamily="34" charset="0"/>
+              </a:rPr>
+              <a:t>I used multiple pdf’s including Gaussian for the stochastic term and always saw a transition as the variance increased with constant mean. I went with Gamma for this exploratory analysis because it most resembled the distribution of stimulus in discs in absence of serum</a:t>
+            </a:r>
+          </a:p>
+          <a:p>
+            <a:r>
+              <a:rPr lang="en-US" dirty="0" smtClean="0">
+                <a:latin typeface="Arial" panose="020B0604020202020204" pitchFamily="34" charset="0"/>
+                <a:cs typeface="Arial" panose="020B0604020202020204" pitchFamily="34" charset="0"/>
+              </a:rPr>
+              <a:t>The following is the term used for the </a:t>
+            </a:r>
+            <a:r>
+              <a:rPr lang="en-US" dirty="0" err="1" smtClean="0">
+                <a:latin typeface="Arial" panose="020B0604020202020204" pitchFamily="34" charset="0"/>
+                <a:cs typeface="Arial" panose="020B0604020202020204" pitchFamily="34" charset="0"/>
+              </a:rPr>
+              <a:t>AIChE</a:t>
+            </a:r>
+            <a:r>
+              <a:rPr lang="en-US" dirty="0" smtClean="0">
+                <a:latin typeface="Arial" panose="020B0604020202020204" pitchFamily="34" charset="0"/>
+                <a:cs typeface="Arial" panose="020B0604020202020204" pitchFamily="34" charset="0"/>
+              </a:rPr>
+              <a:t> model:</a:t>
+            </a:r>
+          </a:p>
+          <a:p>
+            <a:pPr marL="0" indent="0">
+              <a:buNone/>
+            </a:pPr>
+            <a:endParaRPr lang="en-US" dirty="0">
+              <a:latin typeface="Arial" panose="020B0604020202020204" pitchFamily="34" charset="0"/>
+              <a:cs typeface="Arial" panose="020B0604020202020204" pitchFamily="34" charset="0"/>
+            </a:endParaRPr>
+          </a:p>
+          <a:p>
+            <a:r>
+              <a:rPr lang="en-US" dirty="0" smtClean="0">
+                <a:latin typeface="Arial" panose="020B0604020202020204" pitchFamily="34" charset="0"/>
+                <a:cs typeface="Arial" panose="020B0604020202020204" pitchFamily="34" charset="0"/>
+              </a:rPr>
+              <a:t>The formal pdf for this term is:</a:t>
+            </a:r>
+          </a:p>
+          <a:p>
+            <a:endParaRPr lang="en-US" dirty="0">
+              <a:latin typeface="Arial" panose="020B0604020202020204" pitchFamily="34" charset="0"/>
+              <a:cs typeface="Arial" panose="020B0604020202020204" pitchFamily="34" charset="0"/>
+            </a:endParaRPr>
+          </a:p>
+          <a:p>
+            <a:endParaRPr lang="en-US" dirty="0" smtClean="0">
+              <a:latin typeface="Arial" panose="020B0604020202020204" pitchFamily="34" charset="0"/>
+              <a:cs typeface="Arial" panose="020B0604020202020204" pitchFamily="34" charset="0"/>
+            </a:endParaRPr>
+          </a:p>
+          <a:p>
+            <a:r>
+              <a:rPr lang="en-US" b="1" dirty="0" smtClean="0">
+                <a:latin typeface="Arial" panose="020B0604020202020204" pitchFamily="34" charset="0"/>
+                <a:cs typeface="Arial" panose="020B0604020202020204" pitchFamily="34" charset="0"/>
+              </a:rPr>
+              <a:t>I called </a:t>
+            </a:r>
+            <a:r>
+              <a:rPr lang="en-US" b="1" dirty="0" smtClean="0">
+                <a:latin typeface="Arial" panose="020B0604020202020204" pitchFamily="34" charset="0"/>
+                <a:cs typeface="Arial" panose="020B0604020202020204" pitchFamily="34" charset="0"/>
+                <a:hlinkClick r:id="rId2"/>
+              </a:rPr>
+              <a:t>gamrnd</a:t>
+            </a:r>
+            <a:r>
+              <a:rPr lang="en-US" b="1" dirty="0" smtClean="0">
+                <a:latin typeface="Arial" panose="020B0604020202020204" pitchFamily="34" charset="0"/>
+                <a:cs typeface="Arial" panose="020B0604020202020204" pitchFamily="34" charset="0"/>
+              </a:rPr>
+              <a:t> in MATLAB to generate random numbers on this distribution</a:t>
+            </a:r>
+          </a:p>
+          <a:p>
+            <a:endParaRPr lang="en-US" dirty="0">
+              <a:latin typeface="Arial" panose="020B0604020202020204" pitchFamily="34" charset="0"/>
+              <a:cs typeface="Arial" panose="020B0604020202020204" pitchFamily="34" charset="0"/>
+            </a:endParaRPr>
+          </a:p>
+          <a:p>
+            <a:endParaRPr lang="en-US" dirty="0">
+              <a:latin typeface="Arial" panose="020B0604020202020204" pitchFamily="34" charset="0"/>
+              <a:cs typeface="Arial" panose="020B0604020202020204" pitchFamily="34" charset="0"/>
+            </a:endParaRPr>
+          </a:p>
+        </p:txBody>
+      </p:sp>
+      <mc:AlternateContent xmlns:mc="http://schemas.openxmlformats.org/markup-compatibility/2006">
+        <mc:Choice xmlns:a14="http://schemas.microsoft.com/office/drawing/2010/main" Requires="a14">
+          <p:sp>
+            <p:nvSpPr>
+              <p:cNvPr id="4" name="TextBox 3"/>
+              <p:cNvSpPr txBox="1"/>
+              <p:nvPr/>
+            </p:nvSpPr>
+            <p:spPr>
+              <a:xfrm>
+                <a:off x="3133344" y="3850843"/>
+                <a:ext cx="5190523" cy="461665"/>
+              </a:xfrm>
+              <a:prstGeom prst="rect">
+                <a:avLst/>
+              </a:prstGeom>
+              <a:noFill/>
+            </p:spPr>
+            <p:txBody>
+              <a:bodyPr wrap="none" rtlCol="0">
+                <a:spAutoFit/>
+              </a:bodyPr>
+              <a:lstStyle/>
+              <a:p>
+                <a:pPr/>
+                <a14:m>
+                  <m:oMathPara xmlns:m="http://schemas.openxmlformats.org/officeDocument/2006/math">
+                    <m:oMathParaPr>
+                      <m:jc m:val="centerGroup"/>
+                    </m:oMathParaPr>
+                    <m:oMath xmlns:m="http://schemas.openxmlformats.org/officeDocument/2006/math">
+                      <m:sSub>
+                        <m:sSubPr>
+                          <m:ctrlPr>
+                            <a:rPr lang="en-US" sz="2400" i="1" smtClean="0">
+                              <a:latin typeface="Cambria Math" panose="02040503050406030204" pitchFamily="18" charset="0"/>
+                            </a:rPr>
+                          </m:ctrlPr>
+                        </m:sSubPr>
+                        <m:e>
+                          <m:r>
+                            <a:rPr lang="en-US" sz="2400" i="1">
+                              <a:latin typeface="Cambria Math" panose="02040503050406030204" pitchFamily="18" charset="0"/>
+                            </a:rPr>
+                            <m:t>𝑣</m:t>
+                          </m:r>
+                        </m:e>
+                        <m:sub>
+                          <m:r>
+                            <a:rPr lang="en-US" sz="2400" i="1">
+                              <a:latin typeface="Cambria Math" panose="02040503050406030204" pitchFamily="18" charset="0"/>
+                            </a:rPr>
+                            <m:t>𝑃𝐿𝐶</m:t>
+                          </m:r>
+                        </m:sub>
+                      </m:sSub>
+                      <m:r>
+                        <a:rPr lang="en-US" sz="2400" i="1">
+                          <a:latin typeface="Cambria Math" panose="02040503050406030204" pitchFamily="18" charset="0"/>
+                        </a:rPr>
+                        <m:t>=</m:t>
+                      </m:r>
+                      <m:r>
+                        <a:rPr lang="el-GR" sz="2400" i="1">
+                          <a:latin typeface="Cambria Math" panose="02040503050406030204" pitchFamily="18" charset="0"/>
+                        </a:rPr>
+                        <m:t>𝛤</m:t>
+                      </m:r>
+                      <m:d>
+                        <m:dPr>
+                          <m:ctrlPr>
+                            <a:rPr lang="en-US" sz="2400" i="1">
+                              <a:latin typeface="Cambria Math" panose="02040503050406030204" pitchFamily="18" charset="0"/>
+                            </a:rPr>
+                          </m:ctrlPr>
+                        </m:dPr>
+                        <m:e>
+                          <m:r>
+                            <a:rPr lang="en-US" sz="2400" i="1">
+                              <a:latin typeface="Cambria Math" panose="02040503050406030204" pitchFamily="18" charset="0"/>
+                            </a:rPr>
+                            <m:t>1,</m:t>
+                          </m:r>
+                          <m:sSub>
+                            <m:sSubPr>
+                              <m:ctrlPr>
+                                <a:rPr lang="en-US" sz="2400" i="1">
+                                  <a:latin typeface="Cambria Math" panose="02040503050406030204" pitchFamily="18" charset="0"/>
+                                </a:rPr>
+                              </m:ctrlPr>
+                            </m:sSubPr>
+                            <m:e>
+                              <m:r>
+                                <a:rPr lang="en-US" sz="2400" i="1">
+                                  <a:latin typeface="Cambria Math" panose="02040503050406030204" pitchFamily="18" charset="0"/>
+                                  <a:ea typeface="Cambria Math" panose="02040503050406030204" pitchFamily="18" charset="0"/>
+                                </a:rPr>
+                                <m:t>𝜇</m:t>
+                              </m:r>
+                            </m:e>
+                            <m:sub>
+                              <m:r>
+                                <a:rPr lang="en-US" sz="2400" i="1">
+                                  <a:latin typeface="Cambria Math" panose="02040503050406030204" pitchFamily="18" charset="0"/>
+                                </a:rPr>
+                                <m:t>𝑃𝐿𝐶</m:t>
+                              </m:r>
+                            </m:sub>
+                          </m:sSub>
+                        </m:e>
+                      </m:d>
+                      <m:r>
+                        <a:rPr lang="en-US" sz="2400" b="0" i="1" smtClean="0">
+                          <a:latin typeface="Cambria Math" panose="02040503050406030204" pitchFamily="18" charset="0"/>
+                        </a:rPr>
+                        <m:t>=</m:t>
+                      </m:r>
+                      <m:r>
+                        <a:rPr lang="en-US" sz="2400" b="0" i="1" smtClean="0">
+                          <a:latin typeface="Cambria Math" panose="02040503050406030204" pitchFamily="18" charset="0"/>
+                        </a:rPr>
+                        <m:t>𝐺𝑎𝑚𝑚𝑎</m:t>
+                      </m:r>
+                      <m:d>
+                        <m:dPr>
+                          <m:ctrlPr>
+                            <a:rPr lang="en-US" sz="2400" i="1">
+                              <a:latin typeface="Cambria Math" panose="02040503050406030204" pitchFamily="18" charset="0"/>
+                            </a:rPr>
+                          </m:ctrlPr>
+                        </m:dPr>
+                        <m:e>
+                          <m:r>
+                            <a:rPr lang="en-US" sz="2400" i="1">
+                              <a:latin typeface="Cambria Math" panose="02040503050406030204" pitchFamily="18" charset="0"/>
+                            </a:rPr>
+                            <m:t>1,</m:t>
+                          </m:r>
+                          <m:sSub>
+                            <m:sSubPr>
+                              <m:ctrlPr>
+                                <a:rPr lang="en-US" sz="2400" i="1">
+                                  <a:latin typeface="Cambria Math" panose="02040503050406030204" pitchFamily="18" charset="0"/>
+                                </a:rPr>
+                              </m:ctrlPr>
+                            </m:sSubPr>
+                            <m:e>
+                              <m:r>
+                                <a:rPr lang="en-US" sz="2400" i="1">
+                                  <a:latin typeface="Cambria Math" panose="02040503050406030204" pitchFamily="18" charset="0"/>
+                                  <a:ea typeface="Cambria Math" panose="02040503050406030204" pitchFamily="18" charset="0"/>
+                                </a:rPr>
+                                <m:t>𝜇</m:t>
+                              </m:r>
+                            </m:e>
+                            <m:sub>
+                              <m:r>
+                                <a:rPr lang="en-US" sz="2400" i="1">
+                                  <a:latin typeface="Cambria Math" panose="02040503050406030204" pitchFamily="18" charset="0"/>
+                                </a:rPr>
+                                <m:t>𝑃𝐿𝐶</m:t>
+                              </m:r>
+                            </m:sub>
+                          </m:sSub>
+                        </m:e>
+                      </m:d>
+                    </m:oMath>
+                  </m:oMathPara>
+                </a14:m>
+                <a:endParaRPr lang="en-US" sz="2400" b="1" dirty="0" smtClean="0">
+                  <a:latin typeface="Arial" panose="020B0604020202020204" pitchFamily="34" charset="0"/>
+                  <a:cs typeface="Arial" panose="020B0604020202020204" pitchFamily="34" charset="0"/>
+                </a:endParaRPr>
+              </a:p>
+            </p:txBody>
+          </p:sp>
+        </mc:Choice>
+        <mc:Fallback>
+          <p:sp>
+            <p:nvSpPr>
+              <p:cNvPr id="4" name="TextBox 3"/>
+              <p:cNvSpPr txBox="1">
+                <a:spLocks noRot="1" noChangeAspect="1" noMove="1" noResize="1" noEditPoints="1" noAdjustHandles="1" noChangeArrowheads="1" noChangeShapeType="1" noTextEdit="1"/>
+              </p:cNvSpPr>
+              <p:nvPr/>
+            </p:nvSpPr>
+            <p:spPr>
+              <a:xfrm>
+                <a:off x="3133344" y="3850843"/>
+                <a:ext cx="5190523" cy="461665"/>
+              </a:xfrm>
+              <a:prstGeom prst="rect">
+                <a:avLst/>
+              </a:prstGeom>
+              <a:blipFill rotWithShape="0">
+                <a:blip r:embed="rId3"/>
+                <a:stretch>
+                  <a:fillRect b="-12000"/>
+                </a:stretch>
+              </a:blipFill>
+            </p:spPr>
+            <p:txBody>
+              <a:bodyPr/>
+              <a:lstStyle/>
+              <a:p>
+                <a:r>
+                  <a:rPr lang="en-US">
+                    <a:noFill/>
+                  </a:rPr>
+                  <a:t> </a:t>
+                </a:r>
+              </a:p>
+            </p:txBody>
+          </p:sp>
+        </mc:Fallback>
+      </mc:AlternateContent>
+      <mc:AlternateContent xmlns:mc="http://schemas.openxmlformats.org/markup-compatibility/2006">
+        <mc:Choice xmlns:a14="http://schemas.microsoft.com/office/drawing/2010/main" Requires="a14">
+          <p:sp>
+            <p:nvSpPr>
+              <p:cNvPr id="6" name="TextBox 5"/>
+              <p:cNvSpPr txBox="1"/>
+              <p:nvPr/>
+            </p:nvSpPr>
+            <p:spPr>
+              <a:xfrm>
+                <a:off x="1866544" y="4745736"/>
+                <a:ext cx="3501022" cy="948145"/>
+              </a:xfrm>
+              <a:prstGeom prst="rect">
+                <a:avLst/>
+              </a:prstGeom>
+              <a:noFill/>
+            </p:spPr>
+            <p:txBody>
+              <a:bodyPr wrap="none" rtlCol="0">
+                <a:spAutoFit/>
+              </a:bodyPr>
+              <a:lstStyle/>
+              <a:p>
+                <a:pPr/>
+                <a14:m>
+                  <m:oMathPara xmlns:m="http://schemas.openxmlformats.org/officeDocument/2006/math">
+                    <m:oMathParaPr>
+                      <m:jc m:val="centerGroup"/>
+                    </m:oMathParaPr>
+                    <m:oMath xmlns:m="http://schemas.openxmlformats.org/officeDocument/2006/math">
+                      <m:r>
+                        <a:rPr lang="en-US" sz="1600" i="1" smtClean="0">
+                          <a:latin typeface="Cambria Math" panose="02040503050406030204" pitchFamily="18" charset="0"/>
+                        </a:rPr>
+                        <m:t>𝑃</m:t>
+                      </m:r>
+                      <m:d>
+                        <m:dPr>
+                          <m:ctrlPr>
+                            <a:rPr lang="en-US" sz="1600" b="0" i="1" smtClean="0">
+                              <a:latin typeface="Cambria Math" panose="02040503050406030204" pitchFamily="18" charset="0"/>
+                            </a:rPr>
+                          </m:ctrlPr>
+                        </m:dPr>
+                        <m:e>
+                          <m:r>
+                            <a:rPr lang="en-US" sz="1600" b="0" i="1" smtClean="0">
+                              <a:latin typeface="Cambria Math" panose="02040503050406030204" pitchFamily="18" charset="0"/>
+                            </a:rPr>
+                            <m:t>𝑥</m:t>
+                          </m:r>
+                          <m:r>
+                            <a:rPr lang="en-US" sz="1600" b="0" i="1" smtClean="0">
+                              <a:latin typeface="Cambria Math" panose="02040503050406030204" pitchFamily="18" charset="0"/>
+                            </a:rPr>
+                            <m:t>,</m:t>
+                          </m:r>
+                          <m:r>
+                            <a:rPr lang="en-US" sz="1600" b="0" i="1" smtClean="0">
+                              <a:latin typeface="Cambria Math" panose="02040503050406030204" pitchFamily="18" charset="0"/>
+                            </a:rPr>
+                            <m:t>𝑘</m:t>
+                          </m:r>
+                          <m:r>
+                            <a:rPr lang="en-US" sz="1600" b="0" i="1" smtClean="0">
+                              <a:latin typeface="Cambria Math" panose="02040503050406030204" pitchFamily="18" charset="0"/>
+                            </a:rPr>
+                            <m:t>,</m:t>
+                          </m:r>
+                          <m:f>
+                            <m:fPr>
+                              <m:ctrlPr>
+                                <a:rPr lang="en-US" sz="1600" b="0" i="1" smtClean="0">
+                                  <a:latin typeface="Cambria Math" panose="02040503050406030204" pitchFamily="18" charset="0"/>
+                                </a:rPr>
+                              </m:ctrlPr>
+                            </m:fPr>
+                            <m:num>
+                              <m:sSub>
+                                <m:sSubPr>
+                                  <m:ctrlPr>
+                                    <a:rPr lang="en-US" sz="1600" i="1">
+                                      <a:latin typeface="Cambria Math" panose="02040503050406030204" pitchFamily="18" charset="0"/>
+                                    </a:rPr>
+                                  </m:ctrlPr>
+                                </m:sSubPr>
+                                <m:e>
+                                  <m:r>
+                                    <a:rPr lang="en-US" sz="1600" i="1">
+                                      <a:latin typeface="Cambria Math" panose="02040503050406030204" pitchFamily="18" charset="0"/>
+                                      <a:ea typeface="Cambria Math" panose="02040503050406030204" pitchFamily="18" charset="0"/>
+                                    </a:rPr>
+                                    <m:t>𝜇</m:t>
+                                  </m:r>
+                                </m:e>
+                                <m:sub>
+                                  <m:r>
+                                    <a:rPr lang="en-US" sz="1600" i="1">
+                                      <a:latin typeface="Cambria Math" panose="02040503050406030204" pitchFamily="18" charset="0"/>
+                                    </a:rPr>
+                                    <m:t>𝑃𝐿𝐶</m:t>
+                                  </m:r>
+                                </m:sub>
+                              </m:sSub>
+                            </m:num>
+                            <m:den>
+                              <m:r>
+                                <a:rPr lang="en-US" sz="1600" b="0" i="1" smtClean="0">
+                                  <a:latin typeface="Cambria Math" panose="02040503050406030204" pitchFamily="18" charset="0"/>
+                                </a:rPr>
+                                <m:t>𝑘</m:t>
+                              </m:r>
+                            </m:den>
+                          </m:f>
+                        </m:e>
+                      </m:d>
+                      <m:r>
+                        <a:rPr lang="en-US" sz="1600" b="0" i="1" smtClean="0">
+                          <a:latin typeface="Cambria Math" panose="02040503050406030204" pitchFamily="18" charset="0"/>
+                        </a:rPr>
+                        <m:t>=</m:t>
+                      </m:r>
+                      <m:f>
+                        <m:fPr>
+                          <m:ctrlPr>
+                            <a:rPr lang="en-US" sz="1600" b="0" i="1" smtClean="0">
+                              <a:latin typeface="Cambria Math" panose="02040503050406030204" pitchFamily="18" charset="0"/>
+                            </a:rPr>
+                          </m:ctrlPr>
+                        </m:fPr>
+                        <m:num>
+                          <m:sSup>
+                            <m:sSupPr>
+                              <m:ctrlPr>
+                                <a:rPr lang="en-US" sz="1600" i="1">
+                                  <a:latin typeface="Cambria Math" panose="02040503050406030204" pitchFamily="18" charset="0"/>
+                                </a:rPr>
+                              </m:ctrlPr>
+                            </m:sSupPr>
+                            <m:e>
+                              <m:r>
+                                <a:rPr lang="en-US" sz="1600" i="1">
+                                  <a:latin typeface="Cambria Math" panose="02040503050406030204" pitchFamily="18" charset="0"/>
+                                </a:rPr>
+                                <m:t>𝑥</m:t>
+                              </m:r>
+                            </m:e>
+                            <m:sup>
+                              <m:r>
+                                <a:rPr lang="en-US" sz="1600" b="0" i="1" smtClean="0">
+                                  <a:latin typeface="Cambria Math" panose="02040503050406030204" pitchFamily="18" charset="0"/>
+                                </a:rPr>
+                                <m:t>𝑘</m:t>
+                              </m:r>
+                              <m:r>
+                                <a:rPr lang="en-US" sz="1600" b="0" i="1" smtClean="0">
+                                  <a:latin typeface="Cambria Math" panose="02040503050406030204" pitchFamily="18" charset="0"/>
+                                </a:rPr>
+                                <m:t>−1</m:t>
+                              </m:r>
+                            </m:sup>
+                          </m:sSup>
+                          <m:sSup>
+                            <m:sSupPr>
+                              <m:ctrlPr>
+                                <a:rPr lang="en-US" sz="1600" i="1">
+                                  <a:latin typeface="Cambria Math" panose="02040503050406030204" pitchFamily="18" charset="0"/>
+                                </a:rPr>
+                              </m:ctrlPr>
+                            </m:sSupPr>
+                            <m:e>
+                              <m:r>
+                                <a:rPr lang="en-US" sz="1600" i="1">
+                                  <a:latin typeface="Cambria Math" panose="02040503050406030204" pitchFamily="18" charset="0"/>
+                                </a:rPr>
+                                <m:t>𝑒</m:t>
+                              </m:r>
+                            </m:e>
+                            <m:sup>
+                              <m:r>
+                                <a:rPr lang="en-US" sz="1600" b="0" i="1" smtClean="0">
+                                  <a:latin typeface="Cambria Math" panose="02040503050406030204" pitchFamily="18" charset="0"/>
+                                </a:rPr>
+                                <m:t>−</m:t>
+                              </m:r>
+                              <m:f>
+                                <m:fPr>
+                                  <m:ctrlPr>
+                                    <a:rPr lang="en-US" sz="1600" b="0" i="1" smtClean="0">
+                                      <a:latin typeface="Cambria Math" panose="02040503050406030204" pitchFamily="18" charset="0"/>
+                                    </a:rPr>
+                                  </m:ctrlPr>
+                                </m:fPr>
+                                <m:num>
+                                  <m:r>
+                                    <a:rPr lang="en-US" sz="1600" b="0" i="1" smtClean="0">
+                                      <a:latin typeface="Cambria Math" panose="02040503050406030204" pitchFamily="18" charset="0"/>
+                                    </a:rPr>
+                                    <m:t>𝑥𝑘</m:t>
+                                  </m:r>
+                                </m:num>
+                                <m:den>
+                                  <m:sSub>
+                                    <m:sSubPr>
+                                      <m:ctrlPr>
+                                        <a:rPr lang="en-US" sz="1600" i="1">
+                                          <a:latin typeface="Cambria Math" panose="02040503050406030204" pitchFamily="18" charset="0"/>
+                                        </a:rPr>
+                                      </m:ctrlPr>
+                                    </m:sSubPr>
+                                    <m:e>
+                                      <m:r>
+                                        <a:rPr lang="en-US" sz="1600" i="1">
+                                          <a:latin typeface="Cambria Math" panose="02040503050406030204" pitchFamily="18" charset="0"/>
+                                          <a:ea typeface="Cambria Math" panose="02040503050406030204" pitchFamily="18" charset="0"/>
+                                        </a:rPr>
+                                        <m:t>𝜇</m:t>
+                                      </m:r>
+                                    </m:e>
+                                    <m:sub>
+                                      <m:r>
+                                        <a:rPr lang="en-US" sz="1600" i="1">
+                                          <a:latin typeface="Cambria Math" panose="02040503050406030204" pitchFamily="18" charset="0"/>
+                                        </a:rPr>
+                                        <m:t>𝑃𝐿𝐶</m:t>
+                                      </m:r>
+                                    </m:sub>
+                                  </m:sSub>
+                                </m:den>
+                              </m:f>
+                            </m:sup>
+                          </m:sSup>
+                        </m:num>
+                        <m:den>
+                          <m:sSup>
+                            <m:sSupPr>
+                              <m:ctrlPr>
+                                <a:rPr lang="en-US" sz="1600" b="0" i="1" smtClean="0">
+                                  <a:latin typeface="Cambria Math" panose="02040503050406030204" pitchFamily="18" charset="0"/>
+                                </a:rPr>
+                              </m:ctrlPr>
+                            </m:sSupPr>
+                            <m:e>
+                              <m:f>
+                                <m:fPr>
+                                  <m:ctrlPr>
+                                    <a:rPr lang="en-US" sz="1600" i="1">
+                                      <a:latin typeface="Cambria Math" panose="02040503050406030204" pitchFamily="18" charset="0"/>
+                                    </a:rPr>
+                                  </m:ctrlPr>
+                                </m:fPr>
+                                <m:num>
+                                  <m:sSub>
+                                    <m:sSubPr>
+                                      <m:ctrlPr>
+                                        <a:rPr lang="en-US" sz="1600" i="1">
+                                          <a:latin typeface="Cambria Math" panose="02040503050406030204" pitchFamily="18" charset="0"/>
+                                        </a:rPr>
+                                      </m:ctrlPr>
+                                    </m:sSubPr>
+                                    <m:e>
+                                      <m:r>
+                                        <a:rPr lang="en-US" sz="1600" i="1">
+                                          <a:latin typeface="Cambria Math" panose="02040503050406030204" pitchFamily="18" charset="0"/>
+                                          <a:ea typeface="Cambria Math" panose="02040503050406030204" pitchFamily="18" charset="0"/>
+                                        </a:rPr>
+                                        <m:t>𝜇</m:t>
+                                      </m:r>
+                                    </m:e>
+                                    <m:sub>
+                                      <m:r>
+                                        <a:rPr lang="en-US" sz="1600" i="1">
+                                          <a:latin typeface="Cambria Math" panose="02040503050406030204" pitchFamily="18" charset="0"/>
+                                        </a:rPr>
+                                        <m:t>𝑃𝐿𝐶</m:t>
+                                      </m:r>
+                                    </m:sub>
+                                  </m:sSub>
+                                </m:num>
+                                <m:den>
+                                  <m:r>
+                                    <a:rPr lang="en-US" sz="1600" i="1">
+                                      <a:latin typeface="Cambria Math" panose="02040503050406030204" pitchFamily="18" charset="0"/>
+                                    </a:rPr>
+                                    <m:t>𝑘</m:t>
+                                  </m:r>
+                                </m:den>
+                              </m:f>
+                            </m:e>
+                            <m:sup>
+                              <m:r>
+                                <a:rPr lang="en-US" sz="1600" b="0" i="1" smtClean="0">
+                                  <a:latin typeface="Cambria Math" panose="02040503050406030204" pitchFamily="18" charset="0"/>
+                                </a:rPr>
+                                <m:t>𝑘</m:t>
+                              </m:r>
+                            </m:sup>
+                          </m:sSup>
+                          <m:nary>
+                            <m:naryPr>
+                              <m:ctrlPr>
+                                <a:rPr lang="en-US" sz="1600" b="0" i="1" smtClean="0">
+                                  <a:latin typeface="Cambria Math" panose="02040503050406030204" pitchFamily="18" charset="0"/>
+                                </a:rPr>
+                              </m:ctrlPr>
+                            </m:naryPr>
+                            <m:sub>
+                              <m:r>
+                                <m:rPr>
+                                  <m:brk m:alnAt="23"/>
+                                </m:rPr>
+                                <a:rPr lang="en-US" sz="1600" b="0" i="1" smtClean="0">
+                                  <a:latin typeface="Cambria Math" panose="02040503050406030204" pitchFamily="18" charset="0"/>
+                                </a:rPr>
+                                <m:t>0</m:t>
+                              </m:r>
+                            </m:sub>
+                            <m:sup>
+                              <m:r>
+                                <a:rPr lang="en-US" sz="1600" b="0" i="1" smtClean="0">
+                                  <a:latin typeface="Cambria Math" panose="02040503050406030204" pitchFamily="18" charset="0"/>
+                                  <a:ea typeface="Cambria Math" panose="02040503050406030204" pitchFamily="18" charset="0"/>
+                                </a:rPr>
+                                <m:t>∞</m:t>
+                              </m:r>
+                            </m:sup>
+                            <m:e>
+                              <m:sSup>
+                                <m:sSupPr>
+                                  <m:ctrlPr>
+                                    <a:rPr lang="en-US" sz="1600" i="1">
+                                      <a:latin typeface="Cambria Math" panose="02040503050406030204" pitchFamily="18" charset="0"/>
+                                    </a:rPr>
+                                  </m:ctrlPr>
+                                </m:sSupPr>
+                                <m:e>
+                                  <m:r>
+                                    <a:rPr lang="en-US" sz="1600" i="1">
+                                      <a:latin typeface="Cambria Math" panose="02040503050406030204" pitchFamily="18" charset="0"/>
+                                    </a:rPr>
+                                    <m:t>𝑥</m:t>
+                                  </m:r>
+                                </m:e>
+                                <m:sup>
+                                  <m:r>
+                                    <a:rPr lang="en-US" sz="1600" i="1">
+                                      <a:latin typeface="Cambria Math" panose="02040503050406030204" pitchFamily="18" charset="0"/>
+                                    </a:rPr>
+                                    <m:t>𝑘</m:t>
+                                  </m:r>
+                                  <m:r>
+                                    <a:rPr lang="en-US" sz="1600" i="1">
+                                      <a:latin typeface="Cambria Math" panose="02040503050406030204" pitchFamily="18" charset="0"/>
+                                    </a:rPr>
+                                    <m:t>−1</m:t>
+                                  </m:r>
+                                </m:sup>
+                              </m:sSup>
+                              <m:sSup>
+                                <m:sSupPr>
+                                  <m:ctrlPr>
+                                    <a:rPr lang="en-US" sz="1600" i="1">
+                                      <a:latin typeface="Cambria Math" panose="02040503050406030204" pitchFamily="18" charset="0"/>
+                                    </a:rPr>
+                                  </m:ctrlPr>
+                                </m:sSupPr>
+                                <m:e>
+                                  <m:r>
+                                    <a:rPr lang="en-US" sz="1600" i="1">
+                                      <a:latin typeface="Cambria Math" panose="02040503050406030204" pitchFamily="18" charset="0"/>
+                                    </a:rPr>
+                                    <m:t>𝑒</m:t>
+                                  </m:r>
+                                </m:e>
+                                <m:sup>
+                                  <m:r>
+                                    <a:rPr lang="en-US" sz="1600" i="1">
+                                      <a:latin typeface="Cambria Math" panose="02040503050406030204" pitchFamily="18" charset="0"/>
+                                    </a:rPr>
+                                    <m:t>−</m:t>
+                                  </m:r>
+                                  <m:r>
+                                    <a:rPr lang="en-US" sz="1600" i="1">
+                                      <a:latin typeface="Cambria Math" panose="02040503050406030204" pitchFamily="18" charset="0"/>
+                                    </a:rPr>
+                                    <m:t>𝑥</m:t>
+                                  </m:r>
+                                </m:sup>
+                              </m:sSup>
+                            </m:e>
+                          </m:nary>
+                          <m:r>
+                            <a:rPr lang="en-US" sz="1600" b="0" i="1" smtClean="0">
+                              <a:latin typeface="Cambria Math" panose="02040503050406030204" pitchFamily="18" charset="0"/>
+                            </a:rPr>
+                            <m:t>𝑑𝑥</m:t>
+                          </m:r>
+                        </m:den>
+                      </m:f>
+                    </m:oMath>
+                  </m:oMathPara>
+                </a14:m>
+                <a:endParaRPr lang="en-US" sz="1600" b="1" dirty="0" smtClean="0">
+                  <a:latin typeface="Arial" panose="020B0604020202020204" pitchFamily="34" charset="0"/>
+                  <a:cs typeface="Arial" panose="020B0604020202020204" pitchFamily="34" charset="0"/>
+                </a:endParaRPr>
+              </a:p>
+            </p:txBody>
+          </p:sp>
+        </mc:Choice>
+        <mc:Fallback>
+          <p:sp>
+            <p:nvSpPr>
+              <p:cNvPr id="6" name="TextBox 5"/>
+              <p:cNvSpPr txBox="1">
+                <a:spLocks noRot="1" noChangeAspect="1" noMove="1" noResize="1" noEditPoints="1" noAdjustHandles="1" noChangeArrowheads="1" noChangeShapeType="1" noTextEdit="1"/>
+              </p:cNvSpPr>
+              <p:nvPr/>
+            </p:nvSpPr>
+            <p:spPr>
+              <a:xfrm>
+                <a:off x="1866544" y="4745736"/>
+                <a:ext cx="3501022" cy="948145"/>
+              </a:xfrm>
+              <a:prstGeom prst="rect">
+                <a:avLst/>
+              </a:prstGeom>
+              <a:blipFill rotWithShape="0">
+                <a:blip r:embed="rId4"/>
+                <a:stretch>
+                  <a:fillRect/>
+                </a:stretch>
+              </a:blipFill>
+            </p:spPr>
+            <p:txBody>
+              <a:bodyPr/>
+              <a:lstStyle/>
+              <a:p>
+                <a:r>
+                  <a:rPr lang="en-US">
+                    <a:noFill/>
+                  </a:rPr>
+                  <a:t> </a:t>
+                </a:r>
+              </a:p>
+            </p:txBody>
+          </p:sp>
+        </mc:Fallback>
+      </mc:AlternateContent>
+      <mc:AlternateContent xmlns:mc="http://schemas.openxmlformats.org/markup-compatibility/2006">
+        <mc:Choice xmlns:a14="http://schemas.microsoft.com/office/drawing/2010/main" Requires="a14">
+          <p:sp>
+            <p:nvSpPr>
+              <p:cNvPr id="8" name="TextBox 7"/>
+              <p:cNvSpPr txBox="1"/>
+              <p:nvPr/>
+            </p:nvSpPr>
+            <p:spPr>
+              <a:xfrm>
+                <a:off x="6644640" y="4745736"/>
+                <a:ext cx="2904064" cy="828625"/>
+              </a:xfrm>
+              <a:prstGeom prst="rect">
+                <a:avLst/>
+              </a:prstGeom>
+              <a:noFill/>
+            </p:spPr>
+            <p:txBody>
+              <a:bodyPr wrap="none" rtlCol="0">
+                <a:spAutoFit/>
+              </a:bodyPr>
+              <a:lstStyle/>
+              <a:p>
+                <a:pPr/>
+                <a14:m>
+                  <m:oMathPara xmlns:m="http://schemas.openxmlformats.org/officeDocument/2006/math">
+                    <m:oMathParaPr>
+                      <m:jc m:val="centerGroup"/>
+                    </m:oMathParaPr>
+                    <m:oMath xmlns:m="http://schemas.openxmlformats.org/officeDocument/2006/math">
+                      <m:r>
+                        <a:rPr lang="en-US" sz="1600" i="1" smtClean="0">
+                          <a:latin typeface="Cambria Math" panose="02040503050406030204" pitchFamily="18" charset="0"/>
+                        </a:rPr>
+                        <m:t>𝑃</m:t>
+                      </m:r>
+                      <m:d>
+                        <m:dPr>
+                          <m:ctrlPr>
+                            <a:rPr lang="en-US" sz="1600" b="0" i="1" smtClean="0">
+                              <a:latin typeface="Cambria Math" panose="02040503050406030204" pitchFamily="18" charset="0"/>
+                            </a:rPr>
+                          </m:ctrlPr>
+                        </m:dPr>
+                        <m:e>
+                          <m:r>
+                            <a:rPr lang="en-US" sz="1600" b="0" i="1" smtClean="0">
+                              <a:latin typeface="Cambria Math" panose="02040503050406030204" pitchFamily="18" charset="0"/>
+                            </a:rPr>
+                            <m:t>𝑥</m:t>
+                          </m:r>
+                          <m:r>
+                            <a:rPr lang="en-US" sz="1600" b="0" i="1" smtClean="0">
+                              <a:latin typeface="Cambria Math" panose="02040503050406030204" pitchFamily="18" charset="0"/>
+                            </a:rPr>
+                            <m:t>,1,</m:t>
+                          </m:r>
+                          <m:sSub>
+                            <m:sSubPr>
+                              <m:ctrlPr>
+                                <a:rPr lang="en-US" sz="1600" i="1">
+                                  <a:latin typeface="Cambria Math" panose="02040503050406030204" pitchFamily="18" charset="0"/>
+                                </a:rPr>
+                              </m:ctrlPr>
+                            </m:sSubPr>
+                            <m:e>
+                              <m:r>
+                                <a:rPr lang="en-US" sz="1600" i="1">
+                                  <a:latin typeface="Cambria Math" panose="02040503050406030204" pitchFamily="18" charset="0"/>
+                                  <a:ea typeface="Cambria Math" panose="02040503050406030204" pitchFamily="18" charset="0"/>
+                                </a:rPr>
+                                <m:t>𝜇</m:t>
+                              </m:r>
+                            </m:e>
+                            <m:sub>
+                              <m:r>
+                                <a:rPr lang="en-US" sz="1600" i="1">
+                                  <a:latin typeface="Cambria Math" panose="02040503050406030204" pitchFamily="18" charset="0"/>
+                                </a:rPr>
+                                <m:t>𝑃𝐿𝐶</m:t>
+                              </m:r>
+                            </m:sub>
+                          </m:sSub>
+                        </m:e>
+                      </m:d>
+                      <m:r>
+                        <a:rPr lang="en-US" sz="1600" b="0" i="1" smtClean="0">
+                          <a:latin typeface="Cambria Math" panose="02040503050406030204" pitchFamily="18" charset="0"/>
+                        </a:rPr>
+                        <m:t>=</m:t>
+                      </m:r>
+                      <m:f>
+                        <m:fPr>
+                          <m:ctrlPr>
+                            <a:rPr lang="en-US" sz="1600" b="0" i="1" smtClean="0">
+                              <a:latin typeface="Cambria Math" panose="02040503050406030204" pitchFamily="18" charset="0"/>
+                            </a:rPr>
+                          </m:ctrlPr>
+                        </m:fPr>
+                        <m:num>
+                          <m:sSup>
+                            <m:sSupPr>
+                              <m:ctrlPr>
+                                <a:rPr lang="en-US" sz="1600" i="1">
+                                  <a:latin typeface="Cambria Math" panose="02040503050406030204" pitchFamily="18" charset="0"/>
+                                </a:rPr>
+                              </m:ctrlPr>
+                            </m:sSupPr>
+                            <m:e>
+                              <m:r>
+                                <a:rPr lang="en-US" sz="1600" i="1">
+                                  <a:latin typeface="Cambria Math" panose="02040503050406030204" pitchFamily="18" charset="0"/>
+                                </a:rPr>
+                                <m:t>𝑒</m:t>
+                              </m:r>
+                            </m:e>
+                            <m:sup>
+                              <m:r>
+                                <a:rPr lang="en-US" sz="1600" b="0" i="1" smtClean="0">
+                                  <a:latin typeface="Cambria Math" panose="02040503050406030204" pitchFamily="18" charset="0"/>
+                                </a:rPr>
+                                <m:t>−</m:t>
+                              </m:r>
+                              <m:f>
+                                <m:fPr>
+                                  <m:ctrlPr>
+                                    <a:rPr lang="en-US" sz="1600" b="0" i="1" smtClean="0">
+                                      <a:latin typeface="Cambria Math" panose="02040503050406030204" pitchFamily="18" charset="0"/>
+                                    </a:rPr>
+                                  </m:ctrlPr>
+                                </m:fPr>
+                                <m:num>
+                                  <m:r>
+                                    <a:rPr lang="en-US" sz="1600" b="0" i="1" smtClean="0">
+                                      <a:latin typeface="Cambria Math" panose="02040503050406030204" pitchFamily="18" charset="0"/>
+                                    </a:rPr>
+                                    <m:t>𝑥</m:t>
+                                  </m:r>
+                                </m:num>
+                                <m:den>
+                                  <m:sSub>
+                                    <m:sSubPr>
+                                      <m:ctrlPr>
+                                        <a:rPr lang="en-US" sz="1600" i="1">
+                                          <a:latin typeface="Cambria Math" panose="02040503050406030204" pitchFamily="18" charset="0"/>
+                                        </a:rPr>
+                                      </m:ctrlPr>
+                                    </m:sSubPr>
+                                    <m:e>
+                                      <m:r>
+                                        <a:rPr lang="en-US" sz="1600" i="1">
+                                          <a:latin typeface="Cambria Math" panose="02040503050406030204" pitchFamily="18" charset="0"/>
+                                          <a:ea typeface="Cambria Math" panose="02040503050406030204" pitchFamily="18" charset="0"/>
+                                        </a:rPr>
+                                        <m:t>𝜇</m:t>
+                                      </m:r>
+                                    </m:e>
+                                    <m:sub>
+                                      <m:r>
+                                        <a:rPr lang="en-US" sz="1600" i="1">
+                                          <a:latin typeface="Cambria Math" panose="02040503050406030204" pitchFamily="18" charset="0"/>
+                                        </a:rPr>
+                                        <m:t>𝑃𝐿𝐶</m:t>
+                                      </m:r>
+                                    </m:sub>
+                                  </m:sSub>
+                                </m:den>
+                              </m:f>
+                            </m:sup>
+                          </m:sSup>
+                        </m:num>
+                        <m:den>
+                          <m:sSub>
+                            <m:sSubPr>
+                              <m:ctrlPr>
+                                <a:rPr lang="en-US" sz="1600" i="1">
+                                  <a:latin typeface="Cambria Math" panose="02040503050406030204" pitchFamily="18" charset="0"/>
+                                </a:rPr>
+                              </m:ctrlPr>
+                            </m:sSubPr>
+                            <m:e>
+                              <m:r>
+                                <a:rPr lang="en-US" sz="1600" i="1">
+                                  <a:latin typeface="Cambria Math" panose="02040503050406030204" pitchFamily="18" charset="0"/>
+                                  <a:ea typeface="Cambria Math" panose="02040503050406030204" pitchFamily="18" charset="0"/>
+                                </a:rPr>
+                                <m:t>𝜇</m:t>
+                              </m:r>
+                            </m:e>
+                            <m:sub>
+                              <m:r>
+                                <a:rPr lang="en-US" sz="1600" i="1">
+                                  <a:latin typeface="Cambria Math" panose="02040503050406030204" pitchFamily="18" charset="0"/>
+                                </a:rPr>
+                                <m:t>𝑃𝐿𝐶</m:t>
+                              </m:r>
+                            </m:sub>
+                          </m:sSub>
+                          <m:nary>
+                            <m:naryPr>
+                              <m:ctrlPr>
+                                <a:rPr lang="en-US" sz="1600" b="0" i="1" smtClean="0">
+                                  <a:latin typeface="Cambria Math" panose="02040503050406030204" pitchFamily="18" charset="0"/>
+                                </a:rPr>
+                              </m:ctrlPr>
+                            </m:naryPr>
+                            <m:sub>
+                              <m:r>
+                                <m:rPr>
+                                  <m:brk m:alnAt="23"/>
+                                </m:rPr>
+                                <a:rPr lang="en-US" sz="1600" b="0" i="1" smtClean="0">
+                                  <a:latin typeface="Cambria Math" panose="02040503050406030204" pitchFamily="18" charset="0"/>
+                                </a:rPr>
+                                <m:t>0</m:t>
+                              </m:r>
+                            </m:sub>
+                            <m:sup>
+                              <m:r>
+                                <a:rPr lang="en-US" sz="1600" b="0" i="1" smtClean="0">
+                                  <a:latin typeface="Cambria Math" panose="02040503050406030204" pitchFamily="18" charset="0"/>
+                                  <a:ea typeface="Cambria Math" panose="02040503050406030204" pitchFamily="18" charset="0"/>
+                                </a:rPr>
+                                <m:t>∞</m:t>
+                              </m:r>
+                            </m:sup>
+                            <m:e>
+                              <m:sSup>
+                                <m:sSupPr>
+                                  <m:ctrlPr>
+                                    <a:rPr lang="en-US" sz="1600" i="1">
+                                      <a:latin typeface="Cambria Math" panose="02040503050406030204" pitchFamily="18" charset="0"/>
+                                    </a:rPr>
+                                  </m:ctrlPr>
+                                </m:sSupPr>
+                                <m:e>
+                                  <m:r>
+                                    <a:rPr lang="en-US" sz="1600" i="1">
+                                      <a:latin typeface="Cambria Math" panose="02040503050406030204" pitchFamily="18" charset="0"/>
+                                    </a:rPr>
+                                    <m:t>𝑒</m:t>
+                                  </m:r>
+                                </m:e>
+                                <m:sup>
+                                  <m:r>
+                                    <a:rPr lang="en-US" sz="1600" i="1">
+                                      <a:latin typeface="Cambria Math" panose="02040503050406030204" pitchFamily="18" charset="0"/>
+                                    </a:rPr>
+                                    <m:t>−</m:t>
+                                  </m:r>
+                                  <m:r>
+                                    <a:rPr lang="en-US" sz="1600" i="1">
+                                      <a:latin typeface="Cambria Math" panose="02040503050406030204" pitchFamily="18" charset="0"/>
+                                    </a:rPr>
+                                    <m:t>𝑥</m:t>
+                                  </m:r>
+                                </m:sup>
+                              </m:sSup>
+                            </m:e>
+                          </m:nary>
+                          <m:r>
+                            <a:rPr lang="en-US" sz="1600" b="0" i="1" smtClean="0">
+                              <a:latin typeface="Cambria Math" panose="02040503050406030204" pitchFamily="18" charset="0"/>
+                            </a:rPr>
+                            <m:t>𝑑𝑥</m:t>
+                          </m:r>
+                        </m:den>
+                      </m:f>
+                    </m:oMath>
+                  </m:oMathPara>
+                </a14:m>
+                <a:endParaRPr lang="en-US" sz="1600" b="1" dirty="0" smtClean="0">
+                  <a:latin typeface="Arial" panose="020B0604020202020204" pitchFamily="34" charset="0"/>
+                  <a:cs typeface="Arial" panose="020B0604020202020204" pitchFamily="34" charset="0"/>
+                </a:endParaRPr>
+              </a:p>
+            </p:txBody>
+          </p:sp>
+        </mc:Choice>
+        <mc:Fallback>
+          <p:sp>
+            <p:nvSpPr>
+              <p:cNvPr id="8" name="TextBox 7"/>
+              <p:cNvSpPr txBox="1">
+                <a:spLocks noRot="1" noChangeAspect="1" noMove="1" noResize="1" noEditPoints="1" noAdjustHandles="1" noChangeArrowheads="1" noChangeShapeType="1" noTextEdit="1"/>
+              </p:cNvSpPr>
+              <p:nvPr/>
+            </p:nvSpPr>
+            <p:spPr>
+              <a:xfrm>
+                <a:off x="6644640" y="4745736"/>
+                <a:ext cx="2904064" cy="828625"/>
+              </a:xfrm>
+              <a:prstGeom prst="rect">
+                <a:avLst/>
+              </a:prstGeom>
+              <a:blipFill rotWithShape="0">
+                <a:blip r:embed="rId5"/>
+                <a:stretch>
+                  <a:fillRect/>
+                </a:stretch>
+              </a:blipFill>
+            </p:spPr>
+            <p:txBody>
+              <a:bodyPr/>
+              <a:lstStyle/>
+              <a:p>
+                <a:r>
+                  <a:rPr lang="en-US">
+                    <a:noFill/>
+                  </a:rPr>
+                  <a:t> </a:t>
+                </a:r>
+              </a:p>
+            </p:txBody>
+          </p:sp>
+        </mc:Fallback>
+      </mc:AlternateContent>
+    </p:spTree>
+    <p:extLst>
+      <p:ext uri="{BB962C8B-B14F-4D97-AF65-F5344CB8AC3E}">
+        <p14:creationId xmlns:p14="http://schemas.microsoft.com/office/powerpoint/2010/main" val="3179823316"/>
       </p:ext>
     </p:extLst>
   </p:cSld>
